--- a/Презентаци 2.pptx
+++ b/Презентаци 2.pptx
@@ -113,6 +113,11 @@
       </a:defRPr>
     </a:lvl9pPr>
   </p:defaultTextStyle>
+  <p:extLst>
+    <p:ext uri="{EFAFB233-063F-42B5-8137-9DF3F51BA10A}">
+      <p15:sldGuideLst xmlns:p15="http://schemas.microsoft.com/office/powerpoint/2012/main"/>
+    </p:ext>
+  </p:extLst>
 </p:presentation>
 </file>
 
@@ -158,10 +163,9 @@
           </a:lstStyle>
           <a:p>
             <a:r>
-              <a:rPr lang="ru-RU" smtClean="0"/>
+              <a:rPr lang="ru-RU"/>
               <a:t>Образец заголовка</a:t>
             </a:r>
-            <a:endParaRPr lang="ru-RU"/>
           </a:p>
         </p:txBody>
       </p:sp>
@@ -223,10 +227,9 @@
           </a:lstStyle>
           <a:p>
             <a:r>
-              <a:rPr lang="ru-RU" smtClean="0"/>
+              <a:rPr lang="ru-RU"/>
               <a:t>Образец подзаголовка</a:t>
             </a:r>
-            <a:endParaRPr lang="ru-RU"/>
           </a:p>
         </p:txBody>
       </p:sp>
@@ -247,7 +250,7 @@
           <a:p>
             <a:fld id="{C9A19524-DB4C-487D-8D4D-DE65BDE5D72F}" type="datetimeFigureOut">
               <a:rPr lang="ru-RU" smtClean="0"/>
-              <a:t>24.11.2025</a:t>
+              <a:t>10.12.2025</a:t>
             </a:fld>
             <a:endParaRPr lang="ru-RU"/>
           </a:p>
@@ -341,10 +344,9 @@
           <a:lstStyle/>
           <a:p>
             <a:r>
-              <a:rPr lang="ru-RU" smtClean="0"/>
+              <a:rPr lang="ru-RU"/>
               <a:t>Образец заголовка</a:t>
             </a:r>
-            <a:endParaRPr lang="ru-RU"/>
           </a:p>
         </p:txBody>
       </p:sp>
@@ -365,38 +367,37 @@
           <a:p>
             <a:pPr lvl="0"/>
             <a:r>
-              <a:rPr lang="ru-RU" smtClean="0"/>
+              <a:rPr lang="ru-RU"/>
               <a:t>Образец текста</a:t>
             </a:r>
           </a:p>
           <a:p>
             <a:pPr lvl="1"/>
             <a:r>
-              <a:rPr lang="ru-RU" smtClean="0"/>
+              <a:rPr lang="ru-RU"/>
               <a:t>Второй уровень</a:t>
             </a:r>
           </a:p>
           <a:p>
             <a:pPr lvl="2"/>
             <a:r>
-              <a:rPr lang="ru-RU" smtClean="0"/>
+              <a:rPr lang="ru-RU"/>
               <a:t>Третий уровень</a:t>
             </a:r>
           </a:p>
           <a:p>
             <a:pPr lvl="3"/>
             <a:r>
-              <a:rPr lang="ru-RU" smtClean="0"/>
+              <a:rPr lang="ru-RU"/>
               <a:t>Четвертый уровень</a:t>
             </a:r>
           </a:p>
           <a:p>
             <a:pPr lvl="4"/>
             <a:r>
-              <a:rPr lang="ru-RU" smtClean="0"/>
+              <a:rPr lang="ru-RU"/>
               <a:t>Пятый уровень</a:t>
             </a:r>
-            <a:endParaRPr lang="ru-RU"/>
           </a:p>
         </p:txBody>
       </p:sp>
@@ -417,7 +418,7 @@
           <a:p>
             <a:fld id="{C9A19524-DB4C-487D-8D4D-DE65BDE5D72F}" type="datetimeFigureOut">
               <a:rPr lang="ru-RU" smtClean="0"/>
-              <a:t>24.11.2025</a:t>
+              <a:t>10.12.2025</a:t>
             </a:fld>
             <a:endParaRPr lang="ru-RU"/>
           </a:p>
@@ -516,10 +517,9 @@
           <a:lstStyle/>
           <a:p>
             <a:r>
-              <a:rPr lang="ru-RU" smtClean="0"/>
+              <a:rPr lang="ru-RU"/>
               <a:t>Образец заголовка</a:t>
             </a:r>
-            <a:endParaRPr lang="ru-RU"/>
           </a:p>
         </p:txBody>
       </p:sp>
@@ -545,38 +545,37 @@
           <a:p>
             <a:pPr lvl="0"/>
             <a:r>
-              <a:rPr lang="ru-RU" smtClean="0"/>
+              <a:rPr lang="ru-RU"/>
               <a:t>Образец текста</a:t>
             </a:r>
           </a:p>
           <a:p>
             <a:pPr lvl="1"/>
             <a:r>
-              <a:rPr lang="ru-RU" smtClean="0"/>
+              <a:rPr lang="ru-RU"/>
               <a:t>Второй уровень</a:t>
             </a:r>
           </a:p>
           <a:p>
             <a:pPr lvl="2"/>
             <a:r>
-              <a:rPr lang="ru-RU" smtClean="0"/>
+              <a:rPr lang="ru-RU"/>
               <a:t>Третий уровень</a:t>
             </a:r>
           </a:p>
           <a:p>
             <a:pPr lvl="3"/>
             <a:r>
-              <a:rPr lang="ru-RU" smtClean="0"/>
+              <a:rPr lang="ru-RU"/>
               <a:t>Четвертый уровень</a:t>
             </a:r>
           </a:p>
           <a:p>
             <a:pPr lvl="4"/>
             <a:r>
-              <a:rPr lang="ru-RU" smtClean="0"/>
+              <a:rPr lang="ru-RU"/>
               <a:t>Пятый уровень</a:t>
             </a:r>
-            <a:endParaRPr lang="ru-RU"/>
           </a:p>
         </p:txBody>
       </p:sp>
@@ -597,7 +596,7 @@
           <a:p>
             <a:fld id="{C9A19524-DB4C-487D-8D4D-DE65BDE5D72F}" type="datetimeFigureOut">
               <a:rPr lang="ru-RU" smtClean="0"/>
-              <a:t>24.11.2025</a:t>
+              <a:t>10.12.2025</a:t>
             </a:fld>
             <a:endParaRPr lang="ru-RU"/>
           </a:p>
@@ -691,10 +690,9 @@
           <a:lstStyle/>
           <a:p>
             <a:r>
-              <a:rPr lang="ru-RU" smtClean="0"/>
+              <a:rPr lang="ru-RU"/>
               <a:t>Образец заголовка</a:t>
             </a:r>
-            <a:endParaRPr lang="ru-RU"/>
           </a:p>
         </p:txBody>
       </p:sp>
@@ -715,38 +713,37 @@
           <a:p>
             <a:pPr lvl="0"/>
             <a:r>
-              <a:rPr lang="ru-RU" smtClean="0"/>
+              <a:rPr lang="ru-RU"/>
               <a:t>Образец текста</a:t>
             </a:r>
           </a:p>
           <a:p>
             <a:pPr lvl="1"/>
             <a:r>
-              <a:rPr lang="ru-RU" smtClean="0"/>
+              <a:rPr lang="ru-RU"/>
               <a:t>Второй уровень</a:t>
             </a:r>
           </a:p>
           <a:p>
             <a:pPr lvl="2"/>
             <a:r>
-              <a:rPr lang="ru-RU" smtClean="0"/>
+              <a:rPr lang="ru-RU"/>
               <a:t>Третий уровень</a:t>
             </a:r>
           </a:p>
           <a:p>
             <a:pPr lvl="3"/>
             <a:r>
-              <a:rPr lang="ru-RU" smtClean="0"/>
+              <a:rPr lang="ru-RU"/>
               <a:t>Четвертый уровень</a:t>
             </a:r>
           </a:p>
           <a:p>
             <a:pPr lvl="4"/>
             <a:r>
-              <a:rPr lang="ru-RU" smtClean="0"/>
+              <a:rPr lang="ru-RU"/>
               <a:t>Пятый уровень</a:t>
             </a:r>
-            <a:endParaRPr lang="ru-RU"/>
           </a:p>
         </p:txBody>
       </p:sp>
@@ -767,7 +764,7 @@
           <a:p>
             <a:fld id="{C9A19524-DB4C-487D-8D4D-DE65BDE5D72F}" type="datetimeFigureOut">
               <a:rPr lang="ru-RU" smtClean="0"/>
-              <a:t>24.11.2025</a:t>
+              <a:t>10.12.2025</a:t>
             </a:fld>
             <a:endParaRPr lang="ru-RU"/>
           </a:p>
@@ -870,10 +867,9 @@
           </a:lstStyle>
           <a:p>
             <a:r>
-              <a:rPr lang="ru-RU" smtClean="0"/>
+              <a:rPr lang="ru-RU"/>
               <a:t>Образец заголовка</a:t>
             </a:r>
-            <a:endParaRPr lang="ru-RU"/>
           </a:p>
         </p:txBody>
       </p:sp>
@@ -990,7 +986,7 @@
           <a:p>
             <a:pPr lvl="0"/>
             <a:r>
-              <a:rPr lang="ru-RU" smtClean="0"/>
+              <a:rPr lang="ru-RU"/>
               <a:t>Образец текста</a:t>
             </a:r>
           </a:p>
@@ -1013,7 +1009,7 @@
           <a:p>
             <a:fld id="{C9A19524-DB4C-487D-8D4D-DE65BDE5D72F}" type="datetimeFigureOut">
               <a:rPr lang="ru-RU" smtClean="0"/>
-              <a:t>24.11.2025</a:t>
+              <a:t>10.12.2025</a:t>
             </a:fld>
             <a:endParaRPr lang="ru-RU"/>
           </a:p>
@@ -1107,10 +1103,9 @@
           <a:lstStyle/>
           <a:p>
             <a:r>
-              <a:rPr lang="ru-RU" smtClean="0"/>
+              <a:rPr lang="ru-RU"/>
               <a:t>Образец заголовка</a:t>
             </a:r>
-            <a:endParaRPr lang="ru-RU"/>
           </a:p>
         </p:txBody>
       </p:sp>
@@ -1136,38 +1131,37 @@
           <a:p>
             <a:pPr lvl="0"/>
             <a:r>
-              <a:rPr lang="ru-RU" smtClean="0"/>
+              <a:rPr lang="ru-RU"/>
               <a:t>Образец текста</a:t>
             </a:r>
           </a:p>
           <a:p>
             <a:pPr lvl="1"/>
             <a:r>
-              <a:rPr lang="ru-RU" smtClean="0"/>
+              <a:rPr lang="ru-RU"/>
               <a:t>Второй уровень</a:t>
             </a:r>
           </a:p>
           <a:p>
             <a:pPr lvl="2"/>
             <a:r>
-              <a:rPr lang="ru-RU" smtClean="0"/>
+              <a:rPr lang="ru-RU"/>
               <a:t>Третий уровень</a:t>
             </a:r>
           </a:p>
           <a:p>
             <a:pPr lvl="3"/>
             <a:r>
-              <a:rPr lang="ru-RU" smtClean="0"/>
+              <a:rPr lang="ru-RU"/>
               <a:t>Четвертый уровень</a:t>
             </a:r>
           </a:p>
           <a:p>
             <a:pPr lvl="4"/>
             <a:r>
-              <a:rPr lang="ru-RU" smtClean="0"/>
+              <a:rPr lang="ru-RU"/>
               <a:t>Пятый уровень</a:t>
             </a:r>
-            <a:endParaRPr lang="ru-RU"/>
           </a:p>
         </p:txBody>
       </p:sp>
@@ -1193,38 +1187,37 @@
           <a:p>
             <a:pPr lvl="0"/>
             <a:r>
-              <a:rPr lang="ru-RU" smtClean="0"/>
+              <a:rPr lang="ru-RU"/>
               <a:t>Образец текста</a:t>
             </a:r>
           </a:p>
           <a:p>
             <a:pPr lvl="1"/>
             <a:r>
-              <a:rPr lang="ru-RU" smtClean="0"/>
+              <a:rPr lang="ru-RU"/>
               <a:t>Второй уровень</a:t>
             </a:r>
           </a:p>
           <a:p>
             <a:pPr lvl="2"/>
             <a:r>
-              <a:rPr lang="ru-RU" smtClean="0"/>
+              <a:rPr lang="ru-RU"/>
               <a:t>Третий уровень</a:t>
             </a:r>
           </a:p>
           <a:p>
             <a:pPr lvl="3"/>
             <a:r>
-              <a:rPr lang="ru-RU" smtClean="0"/>
+              <a:rPr lang="ru-RU"/>
               <a:t>Четвертый уровень</a:t>
             </a:r>
           </a:p>
           <a:p>
             <a:pPr lvl="4"/>
             <a:r>
-              <a:rPr lang="ru-RU" smtClean="0"/>
+              <a:rPr lang="ru-RU"/>
               <a:t>Пятый уровень</a:t>
             </a:r>
-            <a:endParaRPr lang="ru-RU"/>
           </a:p>
         </p:txBody>
       </p:sp>
@@ -1245,7 +1238,7 @@
           <a:p>
             <a:fld id="{C9A19524-DB4C-487D-8D4D-DE65BDE5D72F}" type="datetimeFigureOut">
               <a:rPr lang="ru-RU" smtClean="0"/>
-              <a:t>24.11.2025</a:t>
+              <a:t>10.12.2025</a:t>
             </a:fld>
             <a:endParaRPr lang="ru-RU"/>
           </a:p>
@@ -1344,10 +1337,9 @@
           <a:lstStyle/>
           <a:p>
             <a:r>
-              <a:rPr lang="ru-RU" smtClean="0"/>
+              <a:rPr lang="ru-RU"/>
               <a:t>Образец заголовка</a:t>
             </a:r>
-            <a:endParaRPr lang="ru-RU"/>
           </a:p>
         </p:txBody>
       </p:sp>
@@ -1410,7 +1402,7 @@
           <a:p>
             <a:pPr lvl="0"/>
             <a:r>
-              <a:rPr lang="ru-RU" smtClean="0"/>
+              <a:rPr lang="ru-RU"/>
               <a:t>Образец текста</a:t>
             </a:r>
           </a:p>
@@ -1438,38 +1430,37 @@
           <a:p>
             <a:pPr lvl="0"/>
             <a:r>
-              <a:rPr lang="ru-RU" smtClean="0"/>
+              <a:rPr lang="ru-RU"/>
               <a:t>Образец текста</a:t>
             </a:r>
           </a:p>
           <a:p>
             <a:pPr lvl="1"/>
             <a:r>
-              <a:rPr lang="ru-RU" smtClean="0"/>
+              <a:rPr lang="ru-RU"/>
               <a:t>Второй уровень</a:t>
             </a:r>
           </a:p>
           <a:p>
             <a:pPr lvl="2"/>
             <a:r>
-              <a:rPr lang="ru-RU" smtClean="0"/>
+              <a:rPr lang="ru-RU"/>
               <a:t>Третий уровень</a:t>
             </a:r>
           </a:p>
           <a:p>
             <a:pPr lvl="3"/>
             <a:r>
-              <a:rPr lang="ru-RU" smtClean="0"/>
+              <a:rPr lang="ru-RU"/>
               <a:t>Четвертый уровень</a:t>
             </a:r>
           </a:p>
           <a:p>
             <a:pPr lvl="4"/>
             <a:r>
-              <a:rPr lang="ru-RU" smtClean="0"/>
+              <a:rPr lang="ru-RU"/>
               <a:t>Пятый уровень</a:t>
             </a:r>
-            <a:endParaRPr lang="ru-RU"/>
           </a:p>
         </p:txBody>
       </p:sp>
@@ -1532,7 +1523,7 @@
           <a:p>
             <a:pPr lvl="0"/>
             <a:r>
-              <a:rPr lang="ru-RU" smtClean="0"/>
+              <a:rPr lang="ru-RU"/>
               <a:t>Образец текста</a:t>
             </a:r>
           </a:p>
@@ -1560,38 +1551,37 @@
           <a:p>
             <a:pPr lvl="0"/>
             <a:r>
-              <a:rPr lang="ru-RU" smtClean="0"/>
+              <a:rPr lang="ru-RU"/>
               <a:t>Образец текста</a:t>
             </a:r>
           </a:p>
           <a:p>
             <a:pPr lvl="1"/>
             <a:r>
-              <a:rPr lang="ru-RU" smtClean="0"/>
+              <a:rPr lang="ru-RU"/>
               <a:t>Второй уровень</a:t>
             </a:r>
           </a:p>
           <a:p>
             <a:pPr lvl="2"/>
             <a:r>
-              <a:rPr lang="ru-RU" smtClean="0"/>
+              <a:rPr lang="ru-RU"/>
               <a:t>Третий уровень</a:t>
             </a:r>
           </a:p>
           <a:p>
             <a:pPr lvl="3"/>
             <a:r>
-              <a:rPr lang="ru-RU" smtClean="0"/>
+              <a:rPr lang="ru-RU"/>
               <a:t>Четвертый уровень</a:t>
             </a:r>
           </a:p>
           <a:p>
             <a:pPr lvl="4"/>
             <a:r>
-              <a:rPr lang="ru-RU" smtClean="0"/>
+              <a:rPr lang="ru-RU"/>
               <a:t>Пятый уровень</a:t>
             </a:r>
-            <a:endParaRPr lang="ru-RU"/>
           </a:p>
         </p:txBody>
       </p:sp>
@@ -1612,7 +1602,7 @@
           <a:p>
             <a:fld id="{C9A19524-DB4C-487D-8D4D-DE65BDE5D72F}" type="datetimeFigureOut">
               <a:rPr lang="ru-RU" smtClean="0"/>
-              <a:t>24.11.2025</a:t>
+              <a:t>10.12.2025</a:t>
             </a:fld>
             <a:endParaRPr lang="ru-RU"/>
           </a:p>
@@ -1706,10 +1696,9 @@
           <a:lstStyle/>
           <a:p>
             <a:r>
-              <a:rPr lang="ru-RU" smtClean="0"/>
+              <a:rPr lang="ru-RU"/>
               <a:t>Образец заголовка</a:t>
             </a:r>
-            <a:endParaRPr lang="ru-RU"/>
           </a:p>
         </p:txBody>
       </p:sp>
@@ -1730,7 +1719,7 @@
           <a:p>
             <a:fld id="{C9A19524-DB4C-487D-8D4D-DE65BDE5D72F}" type="datetimeFigureOut">
               <a:rPr lang="ru-RU" smtClean="0"/>
-              <a:t>24.11.2025</a:t>
+              <a:t>10.12.2025</a:t>
             </a:fld>
             <a:endParaRPr lang="ru-RU"/>
           </a:p>
@@ -1825,7 +1814,7 @@
           <a:p>
             <a:fld id="{C9A19524-DB4C-487D-8D4D-DE65BDE5D72F}" type="datetimeFigureOut">
               <a:rPr lang="ru-RU" smtClean="0"/>
-              <a:t>24.11.2025</a:t>
+              <a:t>10.12.2025</a:t>
             </a:fld>
             <a:endParaRPr lang="ru-RU"/>
           </a:p>
@@ -1928,10 +1917,9 @@
           </a:lstStyle>
           <a:p>
             <a:r>
-              <a:rPr lang="ru-RU" smtClean="0"/>
+              <a:rPr lang="ru-RU"/>
               <a:t>Образец заголовка</a:t>
             </a:r>
-            <a:endParaRPr lang="ru-RU"/>
           </a:p>
         </p:txBody>
       </p:sp>
@@ -1985,38 +1973,37 @@
           <a:p>
             <a:pPr lvl="0"/>
             <a:r>
-              <a:rPr lang="ru-RU" smtClean="0"/>
+              <a:rPr lang="ru-RU"/>
               <a:t>Образец текста</a:t>
             </a:r>
           </a:p>
           <a:p>
             <a:pPr lvl="1"/>
             <a:r>
-              <a:rPr lang="ru-RU" smtClean="0"/>
+              <a:rPr lang="ru-RU"/>
               <a:t>Второй уровень</a:t>
             </a:r>
           </a:p>
           <a:p>
             <a:pPr lvl="2"/>
             <a:r>
-              <a:rPr lang="ru-RU" smtClean="0"/>
+              <a:rPr lang="ru-RU"/>
               <a:t>Третий уровень</a:t>
             </a:r>
           </a:p>
           <a:p>
             <a:pPr lvl="3"/>
             <a:r>
-              <a:rPr lang="ru-RU" smtClean="0"/>
+              <a:rPr lang="ru-RU"/>
               <a:t>Четвертый уровень</a:t>
             </a:r>
           </a:p>
           <a:p>
             <a:pPr lvl="4"/>
             <a:r>
-              <a:rPr lang="ru-RU" smtClean="0"/>
+              <a:rPr lang="ru-RU"/>
               <a:t>Пятый уровень</a:t>
             </a:r>
-            <a:endParaRPr lang="ru-RU"/>
           </a:p>
         </p:txBody>
       </p:sp>
@@ -2079,7 +2066,7 @@
           <a:p>
             <a:pPr lvl="0"/>
             <a:r>
-              <a:rPr lang="ru-RU" smtClean="0"/>
+              <a:rPr lang="ru-RU"/>
               <a:t>Образец текста</a:t>
             </a:r>
           </a:p>
@@ -2102,7 +2089,7 @@
           <a:p>
             <a:fld id="{C9A19524-DB4C-487D-8D4D-DE65BDE5D72F}" type="datetimeFigureOut">
               <a:rPr lang="ru-RU" smtClean="0"/>
-              <a:t>24.11.2025</a:t>
+              <a:t>10.12.2025</a:t>
             </a:fld>
             <a:endParaRPr lang="ru-RU"/>
           </a:p>
@@ -2205,10 +2192,9 @@
           </a:lstStyle>
           <a:p>
             <a:r>
-              <a:rPr lang="ru-RU" smtClean="0"/>
+              <a:rPr lang="ru-RU"/>
               <a:t>Образец заголовка</a:t>
             </a:r>
-            <a:endParaRPr lang="ru-RU"/>
           </a:p>
         </p:txBody>
       </p:sp>
@@ -2332,7 +2318,7 @@
           <a:p>
             <a:pPr lvl="0"/>
             <a:r>
-              <a:rPr lang="ru-RU" smtClean="0"/>
+              <a:rPr lang="ru-RU"/>
               <a:t>Образец текста</a:t>
             </a:r>
           </a:p>
@@ -2355,7 +2341,7 @@
           <a:p>
             <a:fld id="{C9A19524-DB4C-487D-8D4D-DE65BDE5D72F}" type="datetimeFigureOut">
               <a:rPr lang="ru-RU" smtClean="0"/>
-              <a:t>24.11.2025</a:t>
+              <a:t>10.12.2025</a:t>
             </a:fld>
             <a:endParaRPr lang="ru-RU"/>
           </a:p>
@@ -2420,9 +2406,39 @@
 <p:sldMaster xmlns:a="http://schemas.openxmlformats.org/drawingml/2006/main" xmlns:r="http://schemas.openxmlformats.org/officeDocument/2006/relationships" xmlns:p="http://schemas.openxmlformats.org/presentationml/2006/main">
   <p:cSld>
     <p:bg>
-      <p:bgRef idx="1001">
-        <a:schemeClr val="bg1"/>
-      </p:bgRef>
+      <p:bgPr>
+        <a:gradFill flip="none" rotWithShape="1">
+          <a:gsLst>
+            <a:gs pos="0">
+              <a:schemeClr val="accent1">
+                <a:lumMod val="5000"/>
+                <a:lumOff val="95000"/>
+              </a:schemeClr>
+            </a:gs>
+            <a:gs pos="56000">
+              <a:schemeClr val="accent1">
+                <a:lumMod val="45000"/>
+                <a:lumOff val="55000"/>
+              </a:schemeClr>
+            </a:gs>
+            <a:gs pos="73000">
+              <a:schemeClr val="accent1">
+                <a:lumMod val="45000"/>
+                <a:lumOff val="55000"/>
+              </a:schemeClr>
+            </a:gs>
+            <a:gs pos="100000">
+              <a:schemeClr val="accent1">
+                <a:lumMod val="30000"/>
+                <a:lumOff val="70000"/>
+              </a:schemeClr>
+            </a:gs>
+          </a:gsLst>
+          <a:lin ang="5400000" scaled="1"/>
+          <a:tileRect/>
+        </a:gradFill>
+        <a:effectLst/>
+      </p:bgPr>
     </p:bg>
     <p:spTree>
       <p:nvGrpSpPr>
@@ -2464,10 +2480,9 @@
           <a:lstStyle/>
           <a:p>
             <a:r>
-              <a:rPr lang="ru-RU" smtClean="0"/>
+              <a:rPr lang="ru-RU"/>
               <a:t>Образец заголовка</a:t>
             </a:r>
-            <a:endParaRPr lang="ru-RU"/>
           </a:p>
         </p:txBody>
       </p:sp>
@@ -2498,38 +2513,37 @@
           <a:p>
             <a:pPr lvl="0"/>
             <a:r>
-              <a:rPr lang="ru-RU" smtClean="0"/>
+              <a:rPr lang="ru-RU"/>
               <a:t>Образец текста</a:t>
             </a:r>
           </a:p>
           <a:p>
             <a:pPr lvl="1"/>
             <a:r>
-              <a:rPr lang="ru-RU" smtClean="0"/>
+              <a:rPr lang="ru-RU"/>
               <a:t>Второй уровень</a:t>
             </a:r>
           </a:p>
           <a:p>
             <a:pPr lvl="2"/>
             <a:r>
-              <a:rPr lang="ru-RU" smtClean="0"/>
+              <a:rPr lang="ru-RU"/>
               <a:t>Третий уровень</a:t>
             </a:r>
           </a:p>
           <a:p>
             <a:pPr lvl="3"/>
             <a:r>
-              <a:rPr lang="ru-RU" smtClean="0"/>
+              <a:rPr lang="ru-RU"/>
               <a:t>Четвертый уровень</a:t>
             </a:r>
           </a:p>
           <a:p>
             <a:pPr lvl="4"/>
             <a:r>
-              <a:rPr lang="ru-RU" smtClean="0"/>
+              <a:rPr lang="ru-RU"/>
               <a:t>Пятый уровень</a:t>
             </a:r>
-            <a:endParaRPr lang="ru-RU"/>
           </a:p>
         </p:txBody>
       </p:sp>
@@ -2568,7 +2582,7 @@
           <a:p>
             <a:fld id="{C9A19524-DB4C-487D-8D4D-DE65BDE5D72F}" type="datetimeFigureOut">
               <a:rPr lang="ru-RU" smtClean="0"/>
-              <a:t>24.11.2025</a:t>
+              <a:t>10.12.2025</a:t>
             </a:fld>
             <a:endParaRPr lang="ru-RU"/>
           </a:p>
@@ -2996,73 +3010,53 @@
           <a:lstStyle/>
           <a:p>
             <a:r>
-              <a:rPr lang="ru-RU" sz="2000" dirty="0" smtClean="0">
+              <a:rPr lang="ru-RU" sz="2000" dirty="0">
                 <a:latin typeface="Times New Roman" panose="02020603050405020304" pitchFamily="18" charset="0"/>
                 <a:cs typeface="Times New Roman" panose="02020603050405020304" pitchFamily="18" charset="0"/>
               </a:rPr>
               <a:t>ФЕДЕРАЛЬНОЕ ГОСУДАРСТВЕННОЕ БЮДЖЕТНОЕ ОБРАЗОВАТЕЛЬНОЕ УЧРЕЖДЕНИЕ ВЫСШЕГО ОБРАЗОВАНИЯ «САНКТ-ПЕТЕРБУРГСКИЙ ГОСУДАРСТВЕННЫЙ УНИВЕРСИТЕТ ТЕЛЕКОММУНИКАЦИЙ ИМ. ПРОФ. М.А. БОНЧ-БРУЕВИЧА» (</a:t>
             </a:r>
             <a:r>
-              <a:rPr lang="ru-RU" sz="2000" dirty="0" err="1" smtClean="0">
+              <a:rPr lang="ru-RU" sz="2000" dirty="0" err="1">
                 <a:latin typeface="Times New Roman" panose="02020603050405020304" pitchFamily="18" charset="0"/>
                 <a:cs typeface="Times New Roman" panose="02020603050405020304" pitchFamily="18" charset="0"/>
               </a:rPr>
               <a:t>СПбГУТ</a:t>
             </a:r>
             <a:r>
-              <a:rPr lang="ru-RU" sz="2000" dirty="0" smtClean="0">
+              <a:rPr lang="ru-RU" sz="2000" dirty="0">
                 <a:latin typeface="Times New Roman" panose="02020603050405020304" pitchFamily="18" charset="0"/>
                 <a:cs typeface="Times New Roman" panose="02020603050405020304" pitchFamily="18" charset="0"/>
               </a:rPr>
               <a:t>) АРХАНГЕЛЬСКИЙ КОЛЛЕДЖ ТЕЛЕКОММУНИКАЦИЙ ИМ. Б.Л. РОЗИНГА (ФИЛИАЛ) </a:t>
             </a:r>
             <a:r>
-              <a:rPr lang="ru-RU" sz="2000" dirty="0" err="1" smtClean="0">
+              <a:rPr lang="ru-RU" sz="2000" dirty="0" err="1">
                 <a:latin typeface="Times New Roman" panose="02020603050405020304" pitchFamily="18" charset="0"/>
                 <a:cs typeface="Times New Roman" panose="02020603050405020304" pitchFamily="18" charset="0"/>
               </a:rPr>
               <a:t>СПбГУТ</a:t>
             </a:r>
             <a:r>
-              <a:rPr lang="ru-RU" sz="2000" dirty="0" smtClean="0">
+              <a:rPr lang="ru-RU" sz="2000" dirty="0">
                 <a:latin typeface="Times New Roman" panose="02020603050405020304" pitchFamily="18" charset="0"/>
                 <a:cs typeface="Times New Roman" panose="02020603050405020304" pitchFamily="18" charset="0"/>
               </a:rPr>
               <a:t> (АКТ (ф) </a:t>
             </a:r>
             <a:r>
-              <a:rPr lang="ru-RU" sz="2000" dirty="0" err="1" smtClean="0">
+              <a:rPr lang="ru-RU" sz="2000" dirty="0" err="1">
                 <a:latin typeface="Times New Roman" panose="02020603050405020304" pitchFamily="18" charset="0"/>
                 <a:cs typeface="Times New Roman" panose="02020603050405020304" pitchFamily="18" charset="0"/>
               </a:rPr>
               <a:t>СПбГУТ</a:t>
             </a:r>
             <a:r>
-              <a:rPr lang="ru-RU" sz="2000" dirty="0" smtClean="0">
+              <a:rPr lang="ru-RU" sz="2000" dirty="0">
                 <a:latin typeface="Times New Roman" panose="02020603050405020304" pitchFamily="18" charset="0"/>
                 <a:cs typeface="Times New Roman" panose="02020603050405020304" pitchFamily="18" charset="0"/>
               </a:rPr>
               <a:t>) </a:t>
-            </a:r>
-            <a:r>
-              <a:rPr lang="en-US" sz="2000" dirty="0" smtClean="0">
-                <a:latin typeface="Times New Roman" panose="02020603050405020304" pitchFamily="18" charset="0"/>
-                <a:cs typeface="Times New Roman" panose="02020603050405020304" pitchFamily="18" charset="0"/>
-              </a:rPr>
-              <a:t/>
-            </a:r>
-            <a:br>
-              <a:rPr lang="en-US" sz="2000" dirty="0" smtClean="0">
-                <a:latin typeface="Times New Roman" panose="02020603050405020304" pitchFamily="18" charset="0"/>
-                <a:cs typeface="Times New Roman" panose="02020603050405020304" pitchFamily="18" charset="0"/>
-              </a:rPr>
-            </a:br>
-            <a:r>
-              <a:rPr lang="en-US" sz="2000" dirty="0">
-                <a:latin typeface="Times New Roman" panose="02020603050405020304" pitchFamily="18" charset="0"/>
-                <a:cs typeface="Times New Roman" panose="02020603050405020304" pitchFamily="18" charset="0"/>
-              </a:rPr>
-              <a:t/>
             </a:r>
             <a:br>
               <a:rPr lang="en-US" sz="2000" dirty="0">
@@ -3070,8 +3064,14 @@
                 <a:cs typeface="Times New Roman" panose="02020603050405020304" pitchFamily="18" charset="0"/>
               </a:rPr>
             </a:br>
-            <a:r>
-              <a:rPr lang="ru-RU" sz="2000" dirty="0" smtClean="0">
+            <a:br>
+              <a:rPr lang="en-US" sz="2000" dirty="0">
+                <a:latin typeface="Times New Roman" panose="02020603050405020304" pitchFamily="18" charset="0"/>
+                <a:cs typeface="Times New Roman" panose="02020603050405020304" pitchFamily="18" charset="0"/>
+              </a:rPr>
+            </a:br>
+            <a:r>
+              <a:rPr lang="ru-RU" sz="2000" dirty="0">
                 <a:effectLst/>
                 <a:latin typeface="Times New Roman" panose="02020603050405020304" pitchFamily="18" charset="0"/>
                 <a:ea typeface="Calibri" panose="020F0502020204030204" pitchFamily="34" charset="0"/>
@@ -3079,7 +3079,7 @@
               <a:t>Разработка подсистемы «</a:t>
             </a:r>
             <a:r>
-              <a:rPr lang="ru-RU" sz="2000" dirty="0" err="1" smtClean="0">
+              <a:rPr lang="ru-RU" sz="2000" dirty="0" err="1">
                 <a:effectLst/>
                 <a:latin typeface="Times New Roman" panose="02020603050405020304" pitchFamily="18" charset="0"/>
                 <a:ea typeface="Calibri" panose="020F0502020204030204" pitchFamily="34" charset="0"/>
@@ -3087,7 +3087,7 @@
               <a:t>Белозорие</a:t>
             </a:r>
             <a:r>
-              <a:rPr lang="ru-RU" sz="2000" dirty="0" smtClean="0">
+              <a:rPr lang="ru-RU" sz="2000" dirty="0">
                 <a:effectLst/>
                 <a:latin typeface="Times New Roman" panose="02020603050405020304" pitchFamily="18" charset="0"/>
                 <a:ea typeface="Calibri" panose="020F0502020204030204" pitchFamily="34" charset="0"/>
@@ -3124,14 +3124,7 @@
           <a:lstStyle/>
           <a:p>
             <a:pPr algn="l"/>
-            <a:endParaRPr lang="ru-RU" dirty="0" smtClean="0">
-              <a:latin typeface="Times New Roman" panose="02020603050405020304" pitchFamily="18" charset="0"/>
-              <a:cs typeface="Times New Roman" panose="02020603050405020304" pitchFamily="18" charset="0"/>
-            </a:endParaRPr>
-          </a:p>
-          <a:p>
-            <a:pPr algn="l"/>
-            <a:endParaRPr lang="ru-RU" dirty="0" smtClean="0">
+            <a:endParaRPr lang="ru-RU" dirty="0">
               <a:latin typeface="Times New Roman" panose="02020603050405020304" pitchFamily="18" charset="0"/>
               <a:cs typeface="Times New Roman" panose="02020603050405020304" pitchFamily="18" charset="0"/>
             </a:endParaRPr>
@@ -3145,22 +3138,29 @@
           </a:p>
           <a:p>
             <a:pPr algn="l"/>
-            <a:r>
-              <a:rPr lang="ru-RU" sz="1600" dirty="0" smtClean="0">
+            <a:endParaRPr lang="ru-RU" dirty="0">
+              <a:latin typeface="Times New Roman" panose="02020603050405020304" pitchFamily="18" charset="0"/>
+              <a:cs typeface="Times New Roman" panose="02020603050405020304" pitchFamily="18" charset="0"/>
+            </a:endParaRPr>
+          </a:p>
+          <a:p>
+            <a:pPr algn="l"/>
+            <a:r>
+              <a:rPr lang="ru-RU" sz="1600" dirty="0">
                 <a:latin typeface="Times New Roman" panose="02020603050405020304" pitchFamily="18" charset="0"/>
                 <a:cs typeface="Times New Roman" panose="02020603050405020304" pitchFamily="18" charset="0"/>
               </a:rPr>
               <a:t>Студент группы ИСПП-21: </a:t>
             </a:r>
             <a:r>
-              <a:rPr lang="ru-RU" sz="1600" dirty="0" err="1" smtClean="0">
+              <a:rPr lang="ru-RU" sz="1600" dirty="0" err="1">
                 <a:latin typeface="Times New Roman" panose="02020603050405020304" pitchFamily="18" charset="0"/>
                 <a:cs typeface="Times New Roman" panose="02020603050405020304" pitchFamily="18" charset="0"/>
               </a:rPr>
               <a:t>Мошников</a:t>
             </a:r>
             <a:r>
-              <a:rPr lang="ru-RU" sz="1600" dirty="0" smtClean="0">
+              <a:rPr lang="ru-RU" sz="1600" dirty="0">
                 <a:latin typeface="Times New Roman" panose="02020603050405020304" pitchFamily="18" charset="0"/>
                 <a:cs typeface="Times New Roman" panose="02020603050405020304" pitchFamily="18" charset="0"/>
               </a:rPr>
@@ -3170,21 +3170,21 @@
           <a:p>
             <a:pPr algn="l"/>
             <a:r>
-              <a:rPr lang="ru-RU" sz="1600" dirty="0" smtClean="0">
+              <a:rPr lang="ru-RU" sz="1600" dirty="0">
                 <a:latin typeface="Times New Roman" panose="02020603050405020304" pitchFamily="18" charset="0"/>
                 <a:cs typeface="Times New Roman" panose="02020603050405020304" pitchFamily="18" charset="0"/>
               </a:rPr>
               <a:t>Руководитель: </a:t>
             </a:r>
             <a:r>
-              <a:rPr lang="ru-RU" sz="1600" dirty="0" err="1" smtClean="0">
+              <a:rPr lang="ru-RU" sz="1600" dirty="0" err="1">
                 <a:latin typeface="Times New Roman" panose="02020603050405020304" pitchFamily="18" charset="0"/>
                 <a:cs typeface="Times New Roman" panose="02020603050405020304" pitchFamily="18" charset="0"/>
               </a:rPr>
               <a:t>Маломан</a:t>
             </a:r>
             <a:r>
-              <a:rPr lang="ru-RU" sz="1600" dirty="0" smtClean="0">
+              <a:rPr lang="ru-RU" sz="1600" dirty="0">
                 <a:latin typeface="Times New Roman" panose="02020603050405020304" pitchFamily="18" charset="0"/>
                 <a:cs typeface="Times New Roman" panose="02020603050405020304" pitchFamily="18" charset="0"/>
               </a:rPr>
@@ -3200,7 +3200,7 @@
           </a:p>
           <a:p>
             <a:r>
-              <a:rPr lang="ru-RU" dirty="0" smtClean="0">
+              <a:rPr lang="ru-RU" dirty="0">
                 <a:latin typeface="Times New Roman" panose="02020603050405020304" pitchFamily="18" charset="0"/>
                 <a:cs typeface="Times New Roman" panose="02020603050405020304" pitchFamily="18" charset="0"/>
               </a:rPr>
@@ -3262,73 +3262,53 @@
           <a:lstStyle/>
           <a:p>
             <a:r>
-              <a:rPr lang="ru-RU" sz="2000" dirty="0" smtClean="0">
+              <a:rPr lang="ru-RU" sz="2000" dirty="0">
                 <a:latin typeface="Times New Roman" panose="02020603050405020304" pitchFamily="18" charset="0"/>
                 <a:cs typeface="Times New Roman" panose="02020603050405020304" pitchFamily="18" charset="0"/>
               </a:rPr>
               <a:t>ФЕДЕРАЛЬНОЕ ГОСУДАРСТВЕННОЕ БЮДЖЕТНОЕ ОБРАЗОВАТЕЛЬНОЕ УЧРЕЖДЕНИЕ ВЫСШЕГО ОБРАЗОВАНИЯ «САНКТ-ПЕТЕРБУРГСКИЙ ГОСУДАРСТВЕННЫЙ УНИВЕРСИТЕТ ТЕЛЕКОММУНИКАЦИЙ ИМ. ПРОФ. М.А. БОНЧ-БРУЕВИЧА» (</a:t>
             </a:r>
             <a:r>
-              <a:rPr lang="ru-RU" sz="2000" dirty="0" err="1" smtClean="0">
+              <a:rPr lang="ru-RU" sz="2000" dirty="0" err="1">
                 <a:latin typeface="Times New Roman" panose="02020603050405020304" pitchFamily="18" charset="0"/>
                 <a:cs typeface="Times New Roman" panose="02020603050405020304" pitchFamily="18" charset="0"/>
               </a:rPr>
               <a:t>СПбГУТ</a:t>
             </a:r>
             <a:r>
-              <a:rPr lang="ru-RU" sz="2000" dirty="0" smtClean="0">
+              <a:rPr lang="ru-RU" sz="2000" dirty="0">
                 <a:latin typeface="Times New Roman" panose="02020603050405020304" pitchFamily="18" charset="0"/>
                 <a:cs typeface="Times New Roman" panose="02020603050405020304" pitchFamily="18" charset="0"/>
               </a:rPr>
               <a:t>) АРХАНГЕЛЬСКИЙ КОЛЛЕДЖ ТЕЛЕКОММУНИКАЦИЙ ИМ. Б.Л. РОЗИНГА (ФИЛИАЛ) </a:t>
             </a:r>
             <a:r>
-              <a:rPr lang="ru-RU" sz="2000" dirty="0" err="1" smtClean="0">
+              <a:rPr lang="ru-RU" sz="2000" dirty="0" err="1">
                 <a:latin typeface="Times New Roman" panose="02020603050405020304" pitchFamily="18" charset="0"/>
                 <a:cs typeface="Times New Roman" panose="02020603050405020304" pitchFamily="18" charset="0"/>
               </a:rPr>
               <a:t>СПбГУТ</a:t>
             </a:r>
             <a:r>
-              <a:rPr lang="ru-RU" sz="2000" dirty="0" smtClean="0">
+              <a:rPr lang="ru-RU" sz="2000" dirty="0">
                 <a:latin typeface="Times New Roman" panose="02020603050405020304" pitchFamily="18" charset="0"/>
                 <a:cs typeface="Times New Roman" panose="02020603050405020304" pitchFamily="18" charset="0"/>
               </a:rPr>
               <a:t> (АКТ (ф) </a:t>
             </a:r>
             <a:r>
-              <a:rPr lang="ru-RU" sz="2000" dirty="0" err="1" smtClean="0">
+              <a:rPr lang="ru-RU" sz="2000" dirty="0" err="1">
                 <a:latin typeface="Times New Roman" panose="02020603050405020304" pitchFamily="18" charset="0"/>
                 <a:cs typeface="Times New Roman" panose="02020603050405020304" pitchFamily="18" charset="0"/>
               </a:rPr>
               <a:t>СПбГУТ</a:t>
             </a:r>
             <a:r>
-              <a:rPr lang="ru-RU" sz="2000" dirty="0" smtClean="0">
+              <a:rPr lang="ru-RU" sz="2000" dirty="0">
                 <a:latin typeface="Times New Roman" panose="02020603050405020304" pitchFamily="18" charset="0"/>
                 <a:cs typeface="Times New Roman" panose="02020603050405020304" pitchFamily="18" charset="0"/>
               </a:rPr>
               <a:t>) </a:t>
-            </a:r>
-            <a:r>
-              <a:rPr lang="en-US" sz="2000" dirty="0" smtClean="0">
-                <a:latin typeface="Times New Roman" panose="02020603050405020304" pitchFamily="18" charset="0"/>
-                <a:cs typeface="Times New Roman" panose="02020603050405020304" pitchFamily="18" charset="0"/>
-              </a:rPr>
-              <a:t/>
-            </a:r>
-            <a:br>
-              <a:rPr lang="en-US" sz="2000" dirty="0" smtClean="0">
-                <a:latin typeface="Times New Roman" panose="02020603050405020304" pitchFamily="18" charset="0"/>
-                <a:cs typeface="Times New Roman" panose="02020603050405020304" pitchFamily="18" charset="0"/>
-              </a:rPr>
-            </a:br>
-            <a:r>
-              <a:rPr lang="en-US" sz="2000" dirty="0">
-                <a:latin typeface="Times New Roman" panose="02020603050405020304" pitchFamily="18" charset="0"/>
-                <a:cs typeface="Times New Roman" panose="02020603050405020304" pitchFamily="18" charset="0"/>
-              </a:rPr>
-              <a:t/>
             </a:r>
             <a:br>
               <a:rPr lang="en-US" sz="2000" dirty="0">
@@ -3336,8 +3316,14 @@
                 <a:cs typeface="Times New Roman" panose="02020603050405020304" pitchFamily="18" charset="0"/>
               </a:rPr>
             </a:br>
-            <a:r>
-              <a:rPr lang="ru-RU" sz="2000" dirty="0" smtClean="0">
+            <a:br>
+              <a:rPr lang="en-US" sz="2000" dirty="0">
+                <a:latin typeface="Times New Roman" panose="02020603050405020304" pitchFamily="18" charset="0"/>
+                <a:cs typeface="Times New Roman" panose="02020603050405020304" pitchFamily="18" charset="0"/>
+              </a:rPr>
+            </a:br>
+            <a:r>
+              <a:rPr lang="ru-RU" sz="2000" dirty="0">
                 <a:effectLst/>
                 <a:latin typeface="Times New Roman" panose="02020603050405020304" pitchFamily="18" charset="0"/>
                 <a:ea typeface="Calibri" panose="020F0502020204030204" pitchFamily="34" charset="0"/>
@@ -3345,7 +3331,7 @@
               <a:t>Разработка подсистемы «</a:t>
             </a:r>
             <a:r>
-              <a:rPr lang="ru-RU" sz="2000" dirty="0" err="1" smtClean="0">
+              <a:rPr lang="ru-RU" sz="2000" dirty="0" err="1">
                 <a:effectLst/>
                 <a:latin typeface="Times New Roman" panose="02020603050405020304" pitchFamily="18" charset="0"/>
                 <a:ea typeface="Calibri" panose="020F0502020204030204" pitchFamily="34" charset="0"/>
@@ -3353,7 +3339,7 @@
               <a:t>Белозорие</a:t>
             </a:r>
             <a:r>
-              <a:rPr lang="ru-RU" sz="2000" dirty="0" smtClean="0">
+              <a:rPr lang="ru-RU" sz="2000" dirty="0">
                 <a:effectLst/>
                 <a:latin typeface="Times New Roman" panose="02020603050405020304" pitchFamily="18" charset="0"/>
                 <a:ea typeface="Calibri" panose="020F0502020204030204" pitchFamily="34" charset="0"/>
@@ -3390,14 +3376,7 @@
           <a:lstStyle/>
           <a:p>
             <a:pPr algn="l"/>
-            <a:endParaRPr lang="ru-RU" dirty="0" smtClean="0">
-              <a:latin typeface="Times New Roman" panose="02020603050405020304" pitchFamily="18" charset="0"/>
-              <a:cs typeface="Times New Roman" panose="02020603050405020304" pitchFamily="18" charset="0"/>
-            </a:endParaRPr>
-          </a:p>
-          <a:p>
-            <a:pPr algn="l"/>
-            <a:endParaRPr lang="ru-RU" dirty="0" smtClean="0">
+            <a:endParaRPr lang="ru-RU" dirty="0">
               <a:latin typeface="Times New Roman" panose="02020603050405020304" pitchFamily="18" charset="0"/>
               <a:cs typeface="Times New Roman" panose="02020603050405020304" pitchFamily="18" charset="0"/>
             </a:endParaRPr>
@@ -3411,22 +3390,29 @@
           </a:p>
           <a:p>
             <a:pPr algn="l"/>
-            <a:r>
-              <a:rPr lang="ru-RU" sz="1600" dirty="0" smtClean="0">
+            <a:endParaRPr lang="ru-RU" dirty="0">
+              <a:latin typeface="Times New Roman" panose="02020603050405020304" pitchFamily="18" charset="0"/>
+              <a:cs typeface="Times New Roman" panose="02020603050405020304" pitchFamily="18" charset="0"/>
+            </a:endParaRPr>
+          </a:p>
+          <a:p>
+            <a:pPr algn="l"/>
+            <a:r>
+              <a:rPr lang="ru-RU" sz="1600" dirty="0">
                 <a:latin typeface="Times New Roman" panose="02020603050405020304" pitchFamily="18" charset="0"/>
                 <a:cs typeface="Times New Roman" panose="02020603050405020304" pitchFamily="18" charset="0"/>
               </a:rPr>
               <a:t>Студент группы ИСПП-21: </a:t>
             </a:r>
             <a:r>
-              <a:rPr lang="ru-RU" sz="1600" dirty="0" err="1" smtClean="0">
+              <a:rPr lang="ru-RU" sz="1600" dirty="0" err="1">
                 <a:latin typeface="Times New Roman" panose="02020603050405020304" pitchFamily="18" charset="0"/>
                 <a:cs typeface="Times New Roman" panose="02020603050405020304" pitchFamily="18" charset="0"/>
               </a:rPr>
               <a:t>Мошников</a:t>
             </a:r>
             <a:r>
-              <a:rPr lang="ru-RU" sz="1600" dirty="0" smtClean="0">
+              <a:rPr lang="ru-RU" sz="1600" dirty="0">
                 <a:latin typeface="Times New Roman" panose="02020603050405020304" pitchFamily="18" charset="0"/>
                 <a:cs typeface="Times New Roman" panose="02020603050405020304" pitchFamily="18" charset="0"/>
               </a:rPr>
@@ -3436,21 +3422,21 @@
           <a:p>
             <a:pPr algn="l"/>
             <a:r>
-              <a:rPr lang="ru-RU" sz="1600" dirty="0" smtClean="0">
+              <a:rPr lang="ru-RU" sz="1600" dirty="0">
                 <a:latin typeface="Times New Roman" panose="02020603050405020304" pitchFamily="18" charset="0"/>
                 <a:cs typeface="Times New Roman" panose="02020603050405020304" pitchFamily="18" charset="0"/>
               </a:rPr>
               <a:t>Руководитель: </a:t>
             </a:r>
             <a:r>
-              <a:rPr lang="ru-RU" sz="1600" dirty="0" err="1" smtClean="0">
+              <a:rPr lang="ru-RU" sz="1600" dirty="0" err="1">
                 <a:latin typeface="Times New Roman" panose="02020603050405020304" pitchFamily="18" charset="0"/>
                 <a:cs typeface="Times New Roman" panose="02020603050405020304" pitchFamily="18" charset="0"/>
               </a:rPr>
               <a:t>Маломан</a:t>
             </a:r>
             <a:r>
-              <a:rPr lang="ru-RU" sz="1600" dirty="0" smtClean="0">
+              <a:rPr lang="ru-RU" sz="1600" dirty="0">
                 <a:latin typeface="Times New Roman" panose="02020603050405020304" pitchFamily="18" charset="0"/>
                 <a:cs typeface="Times New Roman" panose="02020603050405020304" pitchFamily="18" charset="0"/>
               </a:rPr>
@@ -3466,7 +3452,7 @@
           </a:p>
           <a:p>
             <a:r>
-              <a:rPr lang="ru-RU" dirty="0" smtClean="0">
+              <a:rPr lang="ru-RU" dirty="0">
                 <a:latin typeface="Times New Roman" panose="02020603050405020304" pitchFamily="18" charset="0"/>
                 <a:cs typeface="Times New Roman" panose="02020603050405020304" pitchFamily="18" charset="0"/>
               </a:rPr>
@@ -3521,10 +3507,9 @@
           <a:lstStyle/>
           <a:p>
             <a:r>
-              <a:rPr lang="ru-RU" dirty="0" smtClean="0"/>
+              <a:rPr lang="ru-RU" dirty="0"/>
               <a:t>Актуальность</a:t>
             </a:r>
-            <a:endParaRPr lang="ru-RU" dirty="0"/>
           </a:p>
         </p:txBody>
       </p:sp>
@@ -3547,23 +3532,28 @@
               <a:buNone/>
             </a:pPr>
             <a:r>
-              <a:rPr lang="ru-RU" dirty="0" smtClean="0"/>
+              <a:rPr lang="ru-RU" dirty="0"/>
               <a:t>Актуальность проекта обоснована необходимостью упростить составления и просмотр расписания склада</a:t>
             </a:r>
-            <a:endParaRPr lang="ru-RU" dirty="0"/>
-          </a:p>
-        </p:txBody>
-      </p:sp>
-      <p:sp>
-        <p:nvSpPr>
-          <p:cNvPr id="4" name="TextBox 3"/>
+          </a:p>
+        </p:txBody>
+      </p:sp>
+      <p:sp>
+        <p:nvSpPr>
+          <p:cNvPr id="5" name="TextBox 4">
+            <a:extLst>
+              <a:ext uri="{FF2B5EF4-FFF2-40B4-BE49-F238E27FC236}">
+                <a16:creationId xmlns:a16="http://schemas.microsoft.com/office/drawing/2014/main" id="{4AF1B58B-3181-4068-BD34-EA4CFC6C34F3}"/>
+              </a:ext>
+            </a:extLst>
+          </p:cNvPr>
           <p:cNvSpPr txBox="1"/>
           <p:nvPr/>
         </p:nvSpPr>
         <p:spPr>
           <a:xfrm>
-            <a:off x="10770577" y="6311900"/>
-            <a:ext cx="583223" cy="369332"/>
+            <a:off x="11353800" y="6298472"/>
+            <a:ext cx="664144" cy="461665"/>
           </a:xfrm>
           <a:prstGeom prst="rect">
             <a:avLst/>
@@ -3578,10 +3568,12 @@
           <a:p>
             <a:pPr algn="r"/>
             <a:r>
-              <a:rPr lang="ru-RU" dirty="0" smtClean="0"/>
+              <a:rPr lang="ru-RU" sz="2400" dirty="0">
+                <a:latin typeface="Arial" panose="020B0604020202020204" pitchFamily="34" charset="0"/>
+                <a:cs typeface="Arial" panose="020B0604020202020204" pitchFamily="34" charset="0"/>
+              </a:rPr>
               <a:t>2/9</a:t>
             </a:r>
-            <a:endParaRPr lang="ru-RU" dirty="0"/>
           </a:p>
         </p:txBody>
       </p:sp>
@@ -3595,13 +3587,6 @@
   <p:clrMapOvr>
     <a:masterClrMapping/>
   </p:clrMapOvr>
-  <p:timing>
-    <p:tnLst>
-      <p:par>
-        <p:cTn id="1" dur="indefinite" restart="never" nodeType="tmRoot"/>
-      </p:par>
-    </p:tnLst>
-  </p:timing>
 </p:sld>
 </file>
 
@@ -3638,10 +3623,9 @@
           <a:lstStyle/>
           <a:p>
             <a:r>
-              <a:rPr lang="ru-RU" dirty="0" smtClean="0"/>
+              <a:rPr lang="ru-RU" dirty="0"/>
               <a:t>Целевая аудитория</a:t>
             </a:r>
-            <a:endParaRPr lang="ru-RU" dirty="0"/>
           </a:p>
         </p:txBody>
       </p:sp>
@@ -3664,7 +3648,7 @@
               <a:buNone/>
             </a:pPr>
             <a:r>
-              <a:rPr lang="ru-RU" dirty="0" smtClean="0"/>
+              <a:rPr lang="ru-RU" dirty="0"/>
               <a:t>Работники склада</a:t>
             </a:r>
           </a:p>
@@ -3673,23 +3657,28 @@
               <a:buNone/>
             </a:pPr>
             <a:r>
-              <a:rPr lang="ru-RU" dirty="0" smtClean="0"/>
+              <a:rPr lang="ru-RU" dirty="0"/>
               <a:t>Менеджеры склада</a:t>
             </a:r>
-            <a:endParaRPr lang="ru-RU" dirty="0"/>
-          </a:p>
-        </p:txBody>
-      </p:sp>
-      <p:sp>
-        <p:nvSpPr>
-          <p:cNvPr id="4" name="TextBox 3"/>
+          </a:p>
+        </p:txBody>
+      </p:sp>
+      <p:sp>
+        <p:nvSpPr>
+          <p:cNvPr id="5" name="TextBox 4">
+            <a:extLst>
+              <a:ext uri="{FF2B5EF4-FFF2-40B4-BE49-F238E27FC236}">
+                <a16:creationId xmlns:a16="http://schemas.microsoft.com/office/drawing/2014/main" id="{DB4993BF-8295-4185-AD25-68933ADF9016}"/>
+              </a:ext>
+            </a:extLst>
+          </p:cNvPr>
           <p:cNvSpPr txBox="1"/>
           <p:nvPr/>
         </p:nvSpPr>
         <p:spPr>
           <a:xfrm>
-            <a:off x="10770577" y="6311900"/>
-            <a:ext cx="583223" cy="369332"/>
+            <a:off x="11353800" y="6298472"/>
+            <a:ext cx="664144" cy="461665"/>
           </a:xfrm>
           <a:prstGeom prst="rect">
             <a:avLst/>
@@ -3704,14 +3693,12 @@
           <a:p>
             <a:pPr algn="r"/>
             <a:r>
-              <a:rPr lang="ru-RU" dirty="0"/>
-              <a:t>3</a:t>
-            </a:r>
-            <a:r>
-              <a:rPr lang="ru-RU" dirty="0" smtClean="0"/>
-              <a:t>/9</a:t>
-            </a:r>
-            <a:endParaRPr lang="ru-RU" dirty="0"/>
+              <a:rPr lang="ru-RU" sz="2400" dirty="0">
+                <a:latin typeface="Arial" panose="020B0604020202020204" pitchFamily="34" charset="0"/>
+                <a:cs typeface="Arial" panose="020B0604020202020204" pitchFamily="34" charset="0"/>
+              </a:rPr>
+              <a:t>3/9</a:t>
+            </a:r>
           </a:p>
         </p:txBody>
       </p:sp>
@@ -3725,13 +3712,6 @@
   <p:clrMapOvr>
     <a:masterClrMapping/>
   </p:clrMapOvr>
-  <p:timing>
-    <p:tnLst>
-      <p:par>
-        <p:cTn id="1" dur="indefinite" restart="never" nodeType="tmRoot"/>
-      </p:par>
-    </p:tnLst>
-  </p:timing>
 </p:sld>
 </file>
 
@@ -3768,10 +3748,9 @@
           <a:lstStyle/>
           <a:p>
             <a:r>
-              <a:rPr lang="ru-RU" dirty="0" smtClean="0"/>
+              <a:rPr lang="ru-RU" dirty="0"/>
               <a:t>Цель</a:t>
             </a:r>
-            <a:endParaRPr lang="ru-RU" dirty="0"/>
           </a:p>
         </p:txBody>
       </p:sp>
@@ -3794,23 +3773,28 @@
               <a:buNone/>
             </a:pPr>
             <a:r>
-              <a:rPr lang="ru-RU" dirty="0" smtClean="0"/>
+              <a:rPr lang="ru-RU" dirty="0"/>
               <a:t>Требуется разработать веб-приложение для управления расписанием сотрудников склада</a:t>
             </a:r>
-            <a:endParaRPr lang="ru-RU" dirty="0"/>
-          </a:p>
-        </p:txBody>
-      </p:sp>
-      <p:sp>
-        <p:nvSpPr>
-          <p:cNvPr id="4" name="TextBox 3"/>
+          </a:p>
+        </p:txBody>
+      </p:sp>
+      <p:sp>
+        <p:nvSpPr>
+          <p:cNvPr id="5" name="TextBox 4">
+            <a:extLst>
+              <a:ext uri="{FF2B5EF4-FFF2-40B4-BE49-F238E27FC236}">
+                <a16:creationId xmlns:a16="http://schemas.microsoft.com/office/drawing/2014/main" id="{257119AE-FAE1-45FE-AE17-57B269AF3B7A}"/>
+              </a:ext>
+            </a:extLst>
+          </p:cNvPr>
           <p:cNvSpPr txBox="1"/>
           <p:nvPr/>
         </p:nvSpPr>
         <p:spPr>
           <a:xfrm>
-            <a:off x="10770577" y="6311900"/>
-            <a:ext cx="583223" cy="369332"/>
+            <a:off x="11353800" y="6298472"/>
+            <a:ext cx="664144" cy="461665"/>
           </a:xfrm>
           <a:prstGeom prst="rect">
             <a:avLst/>
@@ -3825,14 +3809,12 @@
           <a:p>
             <a:pPr algn="r"/>
             <a:r>
-              <a:rPr lang="ru-RU" dirty="0"/>
-              <a:t>4</a:t>
-            </a:r>
-            <a:r>
-              <a:rPr lang="ru-RU" dirty="0" smtClean="0"/>
-              <a:t>/9</a:t>
-            </a:r>
-            <a:endParaRPr lang="ru-RU" dirty="0"/>
+              <a:rPr lang="ru-RU" sz="2400" dirty="0">
+                <a:latin typeface="Arial" panose="020B0604020202020204" pitchFamily="34" charset="0"/>
+                <a:cs typeface="Arial" panose="020B0604020202020204" pitchFamily="34" charset="0"/>
+              </a:rPr>
+              <a:t>4/9</a:t>
+            </a:r>
           </a:p>
         </p:txBody>
       </p:sp>
@@ -3846,13 +3828,6 @@
   <p:clrMapOvr>
     <a:masterClrMapping/>
   </p:clrMapOvr>
-  <p:timing>
-    <p:tnLst>
-      <p:par>
-        <p:cTn id="1" dur="indefinite" restart="never" nodeType="tmRoot"/>
-      </p:par>
-    </p:tnLst>
-  </p:timing>
 </p:sld>
 </file>
 
@@ -3889,10 +3864,9 @@
           <a:lstStyle/>
           <a:p>
             <a:r>
-              <a:rPr lang="ru-RU" dirty="0" smtClean="0"/>
+              <a:rPr lang="ru-RU" dirty="0"/>
               <a:t>Задачи</a:t>
             </a:r>
-            <a:endParaRPr lang="ru-RU" dirty="0"/>
           </a:p>
         </p:txBody>
       </p:sp>
@@ -3915,7 +3889,7 @@
               <a:buNone/>
             </a:pPr>
             <a:r>
-              <a:rPr lang="ru-RU" dirty="0" smtClean="0"/>
+              <a:rPr lang="ru-RU" dirty="0"/>
               <a:t>Спроектировать и разработать базу данных</a:t>
             </a:r>
           </a:p>
@@ -3924,7 +3898,7 @@
               <a:buNone/>
             </a:pPr>
             <a:r>
-              <a:rPr lang="ru-RU" dirty="0" smtClean="0"/>
+              <a:rPr lang="ru-RU" dirty="0"/>
               <a:t>Спроектировать и разработать интерфейс приложения</a:t>
             </a:r>
           </a:p>
@@ -3933,7 +3907,7 @@
               <a:buNone/>
             </a:pPr>
             <a:r>
-              <a:rPr lang="ru-RU" dirty="0" smtClean="0"/>
+              <a:rPr lang="ru-RU" dirty="0"/>
               <a:t>Реализовать разделение ролей пользователей</a:t>
             </a:r>
           </a:p>
@@ -3942,7 +3916,7 @@
               <a:buNone/>
             </a:pPr>
             <a:r>
-              <a:rPr lang="ru-RU" dirty="0" smtClean="0"/>
+              <a:rPr lang="ru-RU" dirty="0"/>
               <a:t>Реализовать внутреннюю логику работы приложения</a:t>
             </a:r>
           </a:p>
@@ -3950,14 +3924,20 @@
       </p:sp>
       <p:sp>
         <p:nvSpPr>
-          <p:cNvPr id="4" name="TextBox 3"/>
+          <p:cNvPr id="5" name="TextBox 4">
+            <a:extLst>
+              <a:ext uri="{FF2B5EF4-FFF2-40B4-BE49-F238E27FC236}">
+                <a16:creationId xmlns:a16="http://schemas.microsoft.com/office/drawing/2014/main" id="{91397084-2496-4ED5-A808-EE7D0386D83C}"/>
+              </a:ext>
+            </a:extLst>
+          </p:cNvPr>
           <p:cNvSpPr txBox="1"/>
           <p:nvPr/>
         </p:nvSpPr>
         <p:spPr>
           <a:xfrm>
-            <a:off x="10770577" y="6311900"/>
-            <a:ext cx="583223" cy="369332"/>
+            <a:off x="11353800" y="6298472"/>
+            <a:ext cx="664144" cy="461665"/>
           </a:xfrm>
           <a:prstGeom prst="rect">
             <a:avLst/>
@@ -3972,14 +3952,12 @@
           <a:p>
             <a:pPr algn="r"/>
             <a:r>
-              <a:rPr lang="ru-RU" dirty="0"/>
-              <a:t>5</a:t>
-            </a:r>
-            <a:r>
-              <a:rPr lang="ru-RU" dirty="0" smtClean="0"/>
-              <a:t>/9</a:t>
-            </a:r>
-            <a:endParaRPr lang="ru-RU" dirty="0"/>
+              <a:rPr lang="ru-RU" sz="2400" dirty="0">
+                <a:latin typeface="Arial" panose="020B0604020202020204" pitchFamily="34" charset="0"/>
+                <a:cs typeface="Arial" panose="020B0604020202020204" pitchFamily="34" charset="0"/>
+              </a:rPr>
+              <a:t>5/9</a:t>
+            </a:r>
           </a:p>
         </p:txBody>
       </p:sp>
@@ -3993,13 +3971,6 @@
   <p:clrMapOvr>
     <a:masterClrMapping/>
   </p:clrMapOvr>
-  <p:timing>
-    <p:tnLst>
-      <p:par>
-        <p:cTn id="1" dur="indefinite" restart="never" nodeType="tmRoot"/>
-      </p:par>
-    </p:tnLst>
-  </p:timing>
 </p:sld>
 </file>
 
@@ -4030,66 +4001,23 @@
             <p:ph type="title"/>
           </p:nvPr>
         </p:nvSpPr>
-        <p:spPr/>
-        <p:txBody>
-          <a:bodyPr/>
-          <a:lstStyle/>
-          <a:p>
-            <a:r>
-              <a:rPr lang="ru-RU" dirty="0" smtClean="0"/>
+        <p:spPr>
+          <a:xfrm>
+            <a:off x="838200" y="279451"/>
+            <a:ext cx="10515600" cy="635902"/>
+          </a:xfrm>
+        </p:spPr>
+        <p:txBody>
+          <a:bodyPr>
+            <a:normAutofit fontScale="90000"/>
+          </a:bodyPr>
+          <a:lstStyle/>
+          <a:p>
+            <a:pPr algn="ctr"/>
+            <a:r>
+              <a:rPr lang="ru-RU" dirty="0"/>
               <a:t>Средства разработки</a:t>
             </a:r>
-            <a:endParaRPr lang="ru-RU" dirty="0"/>
-          </a:p>
-        </p:txBody>
-      </p:sp>
-      <p:sp>
-        <p:nvSpPr>
-          <p:cNvPr id="3" name="Объект 2"/>
-          <p:cNvSpPr>
-            <a:spLocks noGrp="1"/>
-          </p:cNvSpPr>
-          <p:nvPr>
-            <p:ph idx="1"/>
-          </p:nvPr>
-        </p:nvSpPr>
-        <p:spPr/>
-        <p:txBody>
-          <a:bodyPr/>
-          <a:lstStyle/>
-          <a:p>
-            <a:pPr marL="0" indent="0">
-              <a:buNone/>
-            </a:pPr>
-            <a:r>
-              <a:rPr lang="en-US" dirty="0" smtClean="0"/>
-              <a:t>MySQL</a:t>
-            </a:r>
-            <a:r>
-              <a:rPr lang="ru-RU" dirty="0" smtClean="0"/>
-              <a:t> </a:t>
-            </a:r>
-            <a:r>
-              <a:rPr lang="en-US" dirty="0" smtClean="0"/>
-              <a:t>C# </a:t>
-            </a:r>
-            <a:r>
-              <a:rPr lang="en-US" dirty="0" err="1" smtClean="0"/>
-              <a:t>CloseXML</a:t>
-            </a:r>
-            <a:r>
-              <a:rPr lang="en-US" dirty="0" smtClean="0"/>
-              <a:t> Visual Studio 2022 MySQL Workbench Entity Framework Core</a:t>
-            </a:r>
-            <a:r>
-              <a:rPr lang="ru-RU" dirty="0" smtClean="0"/>
-              <a:t> </a:t>
-            </a:r>
-            <a:r>
-              <a:rPr lang="en-US" smtClean="0"/>
-              <a:t>ASP NET MVC</a:t>
-            </a:r>
-            <a:endParaRPr lang="ru-RU" dirty="0"/>
           </a:p>
         </p:txBody>
       </p:sp>
@@ -4101,8 +4029,8 @@
         </p:nvSpPr>
         <p:spPr>
           <a:xfrm>
-            <a:off x="10770577" y="6311900"/>
-            <a:ext cx="583223" cy="369332"/>
+            <a:off x="11353800" y="6298472"/>
+            <a:ext cx="664144" cy="461665"/>
           </a:xfrm>
           <a:prstGeom prst="rect">
             <a:avLst/>
@@ -4117,17 +4045,193 @@
           <a:p>
             <a:pPr algn="r"/>
             <a:r>
-              <a:rPr lang="ru-RU" dirty="0"/>
-              <a:t>6</a:t>
-            </a:r>
-            <a:r>
-              <a:rPr lang="ru-RU" dirty="0" smtClean="0"/>
-              <a:t>/9</a:t>
-            </a:r>
-            <a:endParaRPr lang="ru-RU" dirty="0"/>
-          </a:p>
-        </p:txBody>
-      </p:sp>
+              <a:rPr lang="ru-RU" sz="2400" dirty="0">
+                <a:latin typeface="Arial" panose="020B0604020202020204" pitchFamily="34" charset="0"/>
+                <a:cs typeface="Arial" panose="020B0604020202020204" pitchFamily="34" charset="0"/>
+              </a:rPr>
+              <a:t>6/9</a:t>
+            </a:r>
+          </a:p>
+        </p:txBody>
+      </p:sp>
+      <p:pic>
+        <p:nvPicPr>
+          <p:cNvPr id="6" name="Изображение 4" descr="Visual-Studio-logo">
+            <a:extLst>
+              <a:ext uri="{FF2B5EF4-FFF2-40B4-BE49-F238E27FC236}">
+                <a16:creationId xmlns:a16="http://schemas.microsoft.com/office/drawing/2014/main" id="{EBFEE58C-7B5B-4FAF-9EE0-1691C6E50C36}"/>
+              </a:ext>
+            </a:extLst>
+          </p:cNvPr>
+          <p:cNvPicPr>
+            <a:picLocks noChangeAspect="1"/>
+          </p:cNvPicPr>
+          <p:nvPr/>
+        </p:nvPicPr>
+        <p:blipFill>
+          <a:blip r:embed="rId2"/>
+          <a:stretch>
+            <a:fillRect/>
+          </a:stretch>
+        </p:blipFill>
+        <p:spPr>
+          <a:xfrm>
+            <a:off x="3214370" y="1385150"/>
+            <a:ext cx="3296285" cy="1854200"/>
+          </a:xfrm>
+          <a:prstGeom prst="rect">
+            <a:avLst/>
+          </a:prstGeom>
+        </p:spPr>
+      </p:pic>
+      <p:pic>
+        <p:nvPicPr>
+          <p:cNvPr id="7" name="Изображение 14" descr="773602">
+            <a:extLst>
+              <a:ext uri="{FF2B5EF4-FFF2-40B4-BE49-F238E27FC236}">
+                <a16:creationId xmlns:a16="http://schemas.microsoft.com/office/drawing/2014/main" id="{B20E683F-C16D-4501-81FA-063C211B1B21}"/>
+              </a:ext>
+            </a:extLst>
+          </p:cNvPr>
+          <p:cNvPicPr>
+            <a:picLocks noChangeAspect="1"/>
+          </p:cNvPicPr>
+          <p:nvPr/>
+        </p:nvPicPr>
+        <p:blipFill>
+          <a:blip r:embed="rId3"/>
+          <a:stretch>
+            <a:fillRect/>
+          </a:stretch>
+        </p:blipFill>
+        <p:spPr>
+          <a:xfrm>
+            <a:off x="1632585" y="1385150"/>
+            <a:ext cx="1724660" cy="1854200"/>
+          </a:xfrm>
+          <a:prstGeom prst="rect">
+            <a:avLst/>
+          </a:prstGeom>
+        </p:spPr>
+      </p:pic>
+      <p:pic>
+        <p:nvPicPr>
+          <p:cNvPr id="8" name="Изображение 18" descr="mysqlworkbench_93532">
+            <a:extLst>
+              <a:ext uri="{FF2B5EF4-FFF2-40B4-BE49-F238E27FC236}">
+                <a16:creationId xmlns:a16="http://schemas.microsoft.com/office/drawing/2014/main" id="{8E4B0DDB-BD9B-451E-82D1-7AEAB8E57B80}"/>
+              </a:ext>
+            </a:extLst>
+          </p:cNvPr>
+          <p:cNvPicPr>
+            <a:picLocks noChangeAspect="1"/>
+          </p:cNvPicPr>
+          <p:nvPr/>
+        </p:nvPicPr>
+        <p:blipFill>
+          <a:blip r:embed="rId4"/>
+          <a:stretch>
+            <a:fillRect/>
+          </a:stretch>
+        </p:blipFill>
+        <p:spPr>
+          <a:xfrm>
+            <a:off x="6355715" y="1464525"/>
+            <a:ext cx="1854200" cy="1854200"/>
+          </a:xfrm>
+          <a:prstGeom prst="rect">
+            <a:avLst/>
+          </a:prstGeom>
+        </p:spPr>
+      </p:pic>
+      <p:pic>
+        <p:nvPicPr>
+          <p:cNvPr id="9" name="Изображение 3">
+            <a:extLst>
+              <a:ext uri="{FF2B5EF4-FFF2-40B4-BE49-F238E27FC236}">
+                <a16:creationId xmlns:a16="http://schemas.microsoft.com/office/drawing/2014/main" id="{3893455D-49AC-4285-9D67-A147B57D69DD}"/>
+              </a:ext>
+            </a:extLst>
+          </p:cNvPr>
+          <p:cNvPicPr>
+            <a:picLocks noChangeAspect="1"/>
+          </p:cNvPicPr>
+          <p:nvPr/>
+        </p:nvPicPr>
+        <p:blipFill>
+          <a:blip r:embed="rId5"/>
+          <a:stretch>
+            <a:fillRect/>
+          </a:stretch>
+        </p:blipFill>
+        <p:spPr>
+          <a:xfrm>
+            <a:off x="8923655" y="1623275"/>
+            <a:ext cx="1635760" cy="1854200"/>
+          </a:xfrm>
+          <a:prstGeom prst="rect">
+            <a:avLst/>
+          </a:prstGeom>
+        </p:spPr>
+      </p:pic>
+      <p:pic>
+        <p:nvPicPr>
+          <p:cNvPr id="10" name="Изображение 6">
+            <a:extLst>
+              <a:ext uri="{FF2B5EF4-FFF2-40B4-BE49-F238E27FC236}">
+                <a16:creationId xmlns:a16="http://schemas.microsoft.com/office/drawing/2014/main" id="{7A4FB3D7-4931-4B14-AAAB-3DF234282B0B}"/>
+              </a:ext>
+            </a:extLst>
+          </p:cNvPr>
+          <p:cNvPicPr/>
+          <p:nvPr/>
+        </p:nvPicPr>
+        <p:blipFill>
+          <a:blip r:embed="rId6"/>
+          <a:stretch>
+            <a:fillRect/>
+          </a:stretch>
+        </p:blipFill>
+        <p:spPr>
+          <a:xfrm>
+            <a:off x="4018949" y="3734015"/>
+            <a:ext cx="1483360" cy="1854200"/>
+          </a:xfrm>
+          <a:prstGeom prst="rect">
+            <a:avLst/>
+          </a:prstGeom>
+        </p:spPr>
+      </p:pic>
+      <p:pic>
+        <p:nvPicPr>
+          <p:cNvPr id="11" name="Изображение 7">
+            <a:extLst>
+              <a:ext uri="{FF2B5EF4-FFF2-40B4-BE49-F238E27FC236}">
+                <a16:creationId xmlns:a16="http://schemas.microsoft.com/office/drawing/2014/main" id="{3FFEC352-8BDD-45A3-B630-6F6A55B933B2}"/>
+              </a:ext>
+            </a:extLst>
+          </p:cNvPr>
+          <p:cNvPicPr>
+            <a:picLocks noChangeAspect="1"/>
+          </p:cNvPicPr>
+          <p:nvPr/>
+        </p:nvPicPr>
+        <p:blipFill>
+          <a:blip r:embed="rId7"/>
+          <a:stretch>
+            <a:fillRect/>
+          </a:stretch>
+        </p:blipFill>
+        <p:spPr>
+          <a:xfrm>
+            <a:off x="6543173" y="3843770"/>
+            <a:ext cx="1445260" cy="1854200"/>
+          </a:xfrm>
+          <a:prstGeom prst="rect">
+            <a:avLst/>
+          </a:prstGeom>
+        </p:spPr>
+      </p:pic>
     </p:spTree>
     <p:extLst>
       <p:ext uri="{BB962C8B-B14F-4D97-AF65-F5344CB8AC3E}">
@@ -4138,13 +4242,6 @@
   <p:clrMapOvr>
     <a:masterClrMapping/>
   </p:clrMapOvr>
-  <p:timing>
-    <p:tnLst>
-      <p:par>
-        <p:cTn id="1" dur="indefinite" restart="never" nodeType="tmRoot"/>
-      </p:par>
-    </p:tnLst>
-  </p:timing>
 </p:sld>
 </file>
 
@@ -4181,42 +4278,47 @@
           <a:lstStyle/>
           <a:p>
             <a:r>
-              <a:rPr lang="ru-RU" dirty="0" smtClean="0"/>
+              <a:rPr lang="ru-RU" dirty="0"/>
               <a:t>Архитектура системы</a:t>
             </a:r>
+          </a:p>
+        </p:txBody>
+      </p:sp>
+      <p:sp>
+        <p:nvSpPr>
+          <p:cNvPr id="3" name="Объект 2"/>
+          <p:cNvSpPr>
+            <a:spLocks noGrp="1"/>
+          </p:cNvSpPr>
+          <p:nvPr>
+            <p:ph idx="1"/>
+          </p:nvPr>
+        </p:nvSpPr>
+        <p:spPr/>
+        <p:txBody>
+          <a:bodyPr/>
+          <a:lstStyle/>
+          <a:p>
             <a:endParaRPr lang="ru-RU" dirty="0"/>
           </a:p>
         </p:txBody>
       </p:sp>
       <p:sp>
         <p:nvSpPr>
-          <p:cNvPr id="3" name="Объект 2"/>
-          <p:cNvSpPr>
-            <a:spLocks noGrp="1"/>
-          </p:cNvSpPr>
-          <p:nvPr>
-            <p:ph idx="1"/>
-          </p:nvPr>
-        </p:nvSpPr>
-        <p:spPr/>
-        <p:txBody>
-          <a:bodyPr/>
-          <a:lstStyle/>
-          <a:p>
-            <a:endParaRPr lang="ru-RU" dirty="0"/>
-          </a:p>
-        </p:txBody>
-      </p:sp>
-      <p:sp>
-        <p:nvSpPr>
-          <p:cNvPr id="4" name="TextBox 3"/>
+          <p:cNvPr id="5" name="TextBox 4">
+            <a:extLst>
+              <a:ext uri="{FF2B5EF4-FFF2-40B4-BE49-F238E27FC236}">
+                <a16:creationId xmlns:a16="http://schemas.microsoft.com/office/drawing/2014/main" id="{4AA4A017-41F8-4A2F-9B6E-1A460BB61FA3}"/>
+              </a:ext>
+            </a:extLst>
+          </p:cNvPr>
           <p:cNvSpPr txBox="1"/>
           <p:nvPr/>
         </p:nvSpPr>
         <p:spPr>
           <a:xfrm>
-            <a:off x="10770577" y="6311900"/>
-            <a:ext cx="583223" cy="369332"/>
+            <a:off x="11353800" y="6298472"/>
+            <a:ext cx="664144" cy="461665"/>
           </a:xfrm>
           <a:prstGeom prst="rect">
             <a:avLst/>
@@ -4231,14 +4333,12 @@
           <a:p>
             <a:pPr algn="r"/>
             <a:r>
-              <a:rPr lang="ru-RU" dirty="0"/>
-              <a:t>7</a:t>
-            </a:r>
-            <a:r>
-              <a:rPr lang="ru-RU" dirty="0" smtClean="0"/>
-              <a:t>/9</a:t>
-            </a:r>
-            <a:endParaRPr lang="ru-RU" dirty="0"/>
+              <a:rPr lang="ru-RU" sz="2400" dirty="0">
+                <a:latin typeface="Arial" panose="020B0604020202020204" pitchFamily="34" charset="0"/>
+                <a:cs typeface="Arial" panose="020B0604020202020204" pitchFamily="34" charset="0"/>
+              </a:rPr>
+              <a:t>7/9</a:t>
+            </a:r>
           </a:p>
         </p:txBody>
       </p:sp>
@@ -4252,13 +4352,6 @@
   <p:clrMapOvr>
     <a:masterClrMapping/>
   </p:clrMapOvr>
-  <p:timing>
-    <p:tnLst>
-      <p:par>
-        <p:cTn id="1" dur="indefinite" restart="never" nodeType="tmRoot"/>
-      </p:par>
-    </p:tnLst>
-  </p:timing>
 </p:sld>
 </file>
 
@@ -4295,10 +4388,9 @@
           <a:lstStyle/>
           <a:p>
             <a:r>
-              <a:rPr lang="ru-RU" dirty="0" smtClean="0"/>
+              <a:rPr lang="ru-RU" dirty="0"/>
               <a:t>Преимущества разработанного ПО</a:t>
             </a:r>
-            <a:endParaRPr lang="ru-RU" dirty="0"/>
           </a:p>
         </p:txBody>
       </p:sp>
@@ -4321,23 +4413,28 @@
               <a:buNone/>
             </a:pPr>
             <a:r>
-              <a:rPr lang="ru-RU" dirty="0" smtClean="0"/>
+              <a:rPr lang="ru-RU" dirty="0"/>
               <a:t>Упрощение составления расписания</a:t>
             </a:r>
-            <a:endParaRPr lang="ru-RU" dirty="0"/>
-          </a:p>
-        </p:txBody>
-      </p:sp>
-      <p:sp>
-        <p:nvSpPr>
-          <p:cNvPr id="4" name="TextBox 3"/>
+          </a:p>
+        </p:txBody>
+      </p:sp>
+      <p:sp>
+        <p:nvSpPr>
+          <p:cNvPr id="5" name="TextBox 4">
+            <a:extLst>
+              <a:ext uri="{FF2B5EF4-FFF2-40B4-BE49-F238E27FC236}">
+                <a16:creationId xmlns:a16="http://schemas.microsoft.com/office/drawing/2014/main" id="{0D9838A1-8C5A-4A62-AE25-465AF7EFE7BE}"/>
+              </a:ext>
+            </a:extLst>
+          </p:cNvPr>
           <p:cNvSpPr txBox="1"/>
           <p:nvPr/>
         </p:nvSpPr>
         <p:spPr>
           <a:xfrm>
-            <a:off x="10770577" y="6311900"/>
-            <a:ext cx="583223" cy="369332"/>
+            <a:off x="11353800" y="6298472"/>
+            <a:ext cx="664144" cy="461665"/>
           </a:xfrm>
           <a:prstGeom prst="rect">
             <a:avLst/>
@@ -4352,14 +4449,12 @@
           <a:p>
             <a:pPr algn="r"/>
             <a:r>
-              <a:rPr lang="ru-RU" dirty="0"/>
-              <a:t>8</a:t>
-            </a:r>
-            <a:r>
-              <a:rPr lang="ru-RU" dirty="0" smtClean="0"/>
-              <a:t>/9</a:t>
-            </a:r>
-            <a:endParaRPr lang="ru-RU" dirty="0"/>
+              <a:rPr lang="ru-RU" sz="2400" dirty="0">
+                <a:latin typeface="Arial" panose="020B0604020202020204" pitchFamily="34" charset="0"/>
+                <a:cs typeface="Arial" panose="020B0604020202020204" pitchFamily="34" charset="0"/>
+              </a:rPr>
+              <a:t>8/9</a:t>
+            </a:r>
           </a:p>
         </p:txBody>
       </p:sp>
@@ -4373,13 +4468,6 @@
   <p:clrMapOvr>
     <a:masterClrMapping/>
   </p:clrMapOvr>
-  <p:timing>
-    <p:tnLst>
-      <p:par>
-        <p:cTn id="1" dur="indefinite" restart="never" nodeType="tmRoot"/>
-      </p:par>
-    </p:tnLst>
-  </p:timing>
 </p:sld>
 </file>
 
@@ -4416,10 +4504,9 @@
           <a:lstStyle/>
           <a:p>
             <a:r>
-              <a:rPr lang="ru-RU" dirty="0" smtClean="0"/>
+              <a:rPr lang="ru-RU" dirty="0"/>
               <a:t>Заключение</a:t>
             </a:r>
-            <a:endParaRPr lang="ru-RU" dirty="0"/>
           </a:p>
         </p:txBody>
       </p:sp>
@@ -4442,23 +4529,28 @@
               <a:buNone/>
             </a:pPr>
             <a:r>
-              <a:rPr lang="ru-RU" dirty="0" smtClean="0"/>
+              <a:rPr lang="ru-RU" dirty="0"/>
               <a:t>Поставленная цель достигнута все компетенции закрыты</a:t>
             </a:r>
-            <a:endParaRPr lang="ru-RU" dirty="0"/>
-          </a:p>
-        </p:txBody>
-      </p:sp>
-      <p:sp>
-        <p:nvSpPr>
-          <p:cNvPr id="5" name="TextBox 4"/>
+          </a:p>
+        </p:txBody>
+      </p:sp>
+      <p:sp>
+        <p:nvSpPr>
+          <p:cNvPr id="6" name="TextBox 5">
+            <a:extLst>
+              <a:ext uri="{FF2B5EF4-FFF2-40B4-BE49-F238E27FC236}">
+                <a16:creationId xmlns:a16="http://schemas.microsoft.com/office/drawing/2014/main" id="{8F17ADC5-68C5-436B-8E37-8BEDE5DCAA2D}"/>
+              </a:ext>
+            </a:extLst>
+          </p:cNvPr>
           <p:cNvSpPr txBox="1"/>
           <p:nvPr/>
         </p:nvSpPr>
         <p:spPr>
           <a:xfrm>
-            <a:off x="10770577" y="6311900"/>
-            <a:ext cx="583223" cy="369332"/>
+            <a:off x="11353800" y="6298472"/>
+            <a:ext cx="664144" cy="461665"/>
           </a:xfrm>
           <a:prstGeom prst="rect">
             <a:avLst/>
@@ -4473,14 +4565,12 @@
           <a:p>
             <a:pPr algn="r"/>
             <a:r>
-              <a:rPr lang="ru-RU" dirty="0"/>
-              <a:t>9</a:t>
-            </a:r>
-            <a:r>
-              <a:rPr lang="ru-RU" dirty="0" smtClean="0"/>
-              <a:t>/9</a:t>
-            </a:r>
-            <a:endParaRPr lang="ru-RU" dirty="0"/>
+              <a:rPr lang="ru-RU" sz="2400" dirty="0">
+                <a:latin typeface="Arial" panose="020B0604020202020204" pitchFamily="34" charset="0"/>
+                <a:cs typeface="Arial" panose="020B0604020202020204" pitchFamily="34" charset="0"/>
+              </a:rPr>
+              <a:t>9/9</a:t>
+            </a:r>
           </a:p>
         </p:txBody>
       </p:sp>
@@ -4494,13 +4584,6 @@
   <p:clrMapOvr>
     <a:masterClrMapping/>
   </p:clrMapOvr>
-  <p:timing>
-    <p:tnLst>
-      <p:par>
-        <p:cTn id="1" dur="indefinite" restart="never" nodeType="tmRoot"/>
-      </p:par>
-    </p:tnLst>
-  </p:timing>
 </p:sld>
 </file>
 

--- a/Презентаци 2.pptx
+++ b/Презентаци 2.pptx
@@ -3058,12 +3058,26 @@
               </a:rPr>
               <a:t>) </a:t>
             </a:r>
+            <a:r>
+              <a:rPr lang="en-US" sz="2000" dirty="0">
+                <a:latin typeface="Times New Roman" panose="02020603050405020304" pitchFamily="18" charset="0"/>
+                <a:cs typeface="Times New Roman" panose="02020603050405020304" pitchFamily="18" charset="0"/>
+              </a:rPr>
+              <a:t/>
+            </a:r>
             <a:br>
               <a:rPr lang="en-US" sz="2000" dirty="0">
                 <a:latin typeface="Times New Roman" panose="02020603050405020304" pitchFamily="18" charset="0"/>
                 <a:cs typeface="Times New Roman" panose="02020603050405020304" pitchFamily="18" charset="0"/>
               </a:rPr>
             </a:br>
+            <a:r>
+              <a:rPr lang="en-US" sz="2000" dirty="0">
+                <a:latin typeface="Times New Roman" panose="02020603050405020304" pitchFamily="18" charset="0"/>
+                <a:cs typeface="Times New Roman" panose="02020603050405020304" pitchFamily="18" charset="0"/>
+              </a:rPr>
+              <a:t/>
+            </a:r>
             <a:br>
               <a:rPr lang="en-US" sz="2000" dirty="0">
                 <a:latin typeface="Times New Roman" panose="02020603050405020304" pitchFamily="18" charset="0"/>
@@ -3310,12 +3324,26 @@
               </a:rPr>
               <a:t>) </a:t>
             </a:r>
+            <a:r>
+              <a:rPr lang="en-US" sz="2000" dirty="0">
+                <a:latin typeface="Times New Roman" panose="02020603050405020304" pitchFamily="18" charset="0"/>
+                <a:cs typeface="Times New Roman" panose="02020603050405020304" pitchFamily="18" charset="0"/>
+              </a:rPr>
+              <a:t/>
+            </a:r>
             <a:br>
               <a:rPr lang="en-US" sz="2000" dirty="0">
                 <a:latin typeface="Times New Roman" panose="02020603050405020304" pitchFamily="18" charset="0"/>
                 <a:cs typeface="Times New Roman" panose="02020603050405020304" pitchFamily="18" charset="0"/>
               </a:rPr>
             </a:br>
+            <a:r>
+              <a:rPr lang="en-US" sz="2000" dirty="0">
+                <a:latin typeface="Times New Roman" panose="02020603050405020304" pitchFamily="18" charset="0"/>
+                <a:cs typeface="Times New Roman" panose="02020603050405020304" pitchFamily="18" charset="0"/>
+              </a:rPr>
+              <a:t/>
+            </a:r>
             <a:br>
               <a:rPr lang="en-US" sz="2000" dirty="0">
                 <a:latin typeface="Times New Roman" panose="02020603050405020304" pitchFamily="18" charset="0"/>
@@ -3622,44 +3650,82 @@
           <a:bodyPr/>
           <a:lstStyle/>
           <a:p>
+            <a:pPr algn="ctr"/>
+            <a:r>
+              <a:rPr lang="ru-RU" dirty="0">
+                <a:latin typeface="+mn-lt"/>
+              </a:rPr>
+              <a:t>Целевая аудитория</a:t>
+            </a:r>
+          </a:p>
+        </p:txBody>
+      </p:sp>
+      <p:sp>
+        <p:nvSpPr>
+          <p:cNvPr id="3" name="Объект 2"/>
+          <p:cNvSpPr>
+            <a:spLocks noGrp="1"/>
+          </p:cNvSpPr>
+          <p:nvPr>
+            <p:ph idx="1"/>
+          </p:nvPr>
+        </p:nvSpPr>
+        <p:spPr/>
+        <p:txBody>
+          <a:bodyPr/>
+          <a:lstStyle/>
+          <a:p>
+            <a:pPr marL="0" indent="0">
+              <a:buNone/>
+            </a:pPr>
+            <a:endParaRPr lang="ru-RU" dirty="0" smtClean="0"/>
+          </a:p>
+          <a:p>
+            <a:pPr marL="0" indent="0">
+              <a:buNone/>
+            </a:pPr>
+            <a:endParaRPr lang="ru-RU" dirty="0"/>
+          </a:p>
+          <a:p>
+            <a:pPr marL="0" indent="0">
+              <a:buNone/>
+            </a:pPr>
+            <a:endParaRPr lang="ru-RU" dirty="0" smtClean="0"/>
+          </a:p>
+          <a:p>
+            <a:pPr marL="0" indent="0">
+              <a:buNone/>
+            </a:pPr>
+            <a:endParaRPr lang="ru-RU" dirty="0"/>
+          </a:p>
+          <a:p>
+            <a:pPr marL="0" indent="0">
+              <a:buNone/>
+            </a:pPr>
+            <a:endParaRPr lang="ru-RU" dirty="0" smtClean="0"/>
+          </a:p>
+          <a:p>
+            <a:pPr marL="0" indent="0">
+              <a:buNone/>
+            </a:pPr>
+            <a:r>
+              <a:rPr lang="ru-RU" dirty="0" smtClean="0"/>
+              <a:t>          Работники </a:t>
+            </a:r>
+            <a:r>
+              <a:rPr lang="ru-RU" dirty="0" smtClean="0"/>
+              <a:t>склада                                 Менеджеры </a:t>
+            </a:r>
             <a:r>
               <a:rPr lang="ru-RU" dirty="0"/>
-              <a:t>Целевая аудитория</a:t>
-            </a:r>
-          </a:p>
-        </p:txBody>
-      </p:sp>
-      <p:sp>
-        <p:nvSpPr>
-          <p:cNvPr id="3" name="Объект 2"/>
-          <p:cNvSpPr>
-            <a:spLocks noGrp="1"/>
-          </p:cNvSpPr>
-          <p:nvPr>
-            <p:ph idx="1"/>
-          </p:nvPr>
-        </p:nvSpPr>
-        <p:spPr/>
-        <p:txBody>
-          <a:bodyPr/>
-          <a:lstStyle/>
+              <a:t>склада</a:t>
+            </a:r>
+          </a:p>
           <a:p>
             <a:pPr marL="0" indent="0">
               <a:buNone/>
             </a:pPr>
-            <a:r>
-              <a:rPr lang="ru-RU" dirty="0"/>
-              <a:t>Работники склада</a:t>
-            </a:r>
-          </a:p>
-          <a:p>
-            <a:pPr marL="0" indent="0">
-              <a:buNone/>
-            </a:pPr>
-            <a:r>
-              <a:rPr lang="ru-RU" dirty="0"/>
-              <a:t>Менеджеры склада</a:t>
-            </a:r>
+            <a:endParaRPr lang="ru-RU" dirty="0"/>
           </a:p>
         </p:txBody>
       </p:sp>
@@ -3702,6 +3768,66 @@
           </a:p>
         </p:txBody>
       </p:sp>
+      <p:pic>
+        <p:nvPicPr>
+          <p:cNvPr id="7" name="Рисунок 6"/>
+          <p:cNvPicPr>
+            <a:picLocks noChangeAspect="1"/>
+          </p:cNvPicPr>
+          <p:nvPr/>
+        </p:nvPicPr>
+        <p:blipFill>
+          <a:blip r:embed="rId2" cstate="print">
+            <a:extLst>
+              <a:ext uri="{28A0092B-C50C-407E-A947-70E740481C1C}">
+                <a14:useLocalDpi xmlns:a14="http://schemas.microsoft.com/office/drawing/2010/main" val="0"/>
+              </a:ext>
+            </a:extLst>
+          </a:blip>
+          <a:stretch>
+            <a:fillRect/>
+          </a:stretch>
+        </p:blipFill>
+        <p:spPr>
+          <a:xfrm>
+            <a:off x="7447814" y="2442059"/>
+            <a:ext cx="1831002" cy="1831002"/>
+          </a:xfrm>
+          <a:prstGeom prst="rect">
+            <a:avLst/>
+          </a:prstGeom>
+        </p:spPr>
+      </p:pic>
+      <p:pic>
+        <p:nvPicPr>
+          <p:cNvPr id="8" name="Рисунок 7"/>
+          <p:cNvPicPr>
+            <a:picLocks noChangeAspect="1"/>
+          </p:cNvPicPr>
+          <p:nvPr/>
+        </p:nvPicPr>
+        <p:blipFill>
+          <a:blip r:embed="rId3">
+            <a:extLst>
+              <a:ext uri="{28A0092B-C50C-407E-A947-70E740481C1C}">
+                <a14:useLocalDpi xmlns:a14="http://schemas.microsoft.com/office/drawing/2010/main" val="0"/>
+              </a:ext>
+            </a:extLst>
+          </a:blip>
+          <a:stretch>
+            <a:fillRect/>
+          </a:stretch>
+        </p:blipFill>
+        <p:spPr>
+          <a:xfrm>
+            <a:off x="2118605" y="2267143"/>
+            <a:ext cx="2180833" cy="2180833"/>
+          </a:xfrm>
+          <a:prstGeom prst="rect">
+            <a:avLst/>
+          </a:prstGeom>
+        </p:spPr>
+      </p:pic>
     </p:spTree>
     <p:extLst>
       <p:ext uri="{BB962C8B-B14F-4D97-AF65-F5344CB8AC3E}">
@@ -3747,8 +3873,11 @@
           <a:bodyPr/>
           <a:lstStyle/>
           <a:p>
-            <a:r>
-              <a:rPr lang="ru-RU" dirty="0"/>
+            <a:pPr algn="ctr"/>
+            <a:r>
+              <a:rPr lang="ru-RU" dirty="0">
+                <a:latin typeface="+mn-lt"/>
+              </a:rPr>
               <a:t>Цель</a:t>
             </a:r>
           </a:p>
@@ -3880,7 +4009,12 @@
             <p:ph idx="1"/>
           </p:nvPr>
         </p:nvSpPr>
-        <p:spPr/>
+        <p:spPr>
+          <a:xfrm>
+            <a:off x="2321168" y="1825625"/>
+            <a:ext cx="9032631" cy="4351338"/>
+          </a:xfrm>
+        </p:spPr>
         <p:txBody>
           <a:bodyPr/>
           <a:lstStyle/>
@@ -3890,26 +4024,56 @@
             </a:pPr>
             <a:r>
               <a:rPr lang="ru-RU" dirty="0"/>
-              <a:t>Спроектировать и разработать базу данных</a:t>
+              <a:t>Спроектировать и разработать базу </a:t>
+            </a:r>
+            <a:r>
+              <a:rPr lang="ru-RU" dirty="0" smtClean="0"/>
+              <a:t>данных</a:t>
             </a:r>
           </a:p>
           <a:p>
             <a:pPr marL="0" indent="0">
               <a:buNone/>
             </a:pPr>
+            <a:endParaRPr lang="ru-RU" dirty="0"/>
+          </a:p>
+          <a:p>
+            <a:pPr marL="0" indent="0">
+              <a:buNone/>
+            </a:pPr>
             <a:r>
               <a:rPr lang="ru-RU" dirty="0"/>
-              <a:t>Спроектировать и разработать интерфейс приложения</a:t>
+              <a:t>Спроектировать и разработать интерфейс </a:t>
+            </a:r>
+            <a:r>
+              <a:rPr lang="ru-RU" dirty="0" smtClean="0"/>
+              <a:t>приложения</a:t>
             </a:r>
           </a:p>
           <a:p>
             <a:pPr marL="0" indent="0">
               <a:buNone/>
             </a:pPr>
+            <a:endParaRPr lang="ru-RU" dirty="0"/>
+          </a:p>
+          <a:p>
+            <a:pPr marL="0" indent="0">
+              <a:buNone/>
+            </a:pPr>
             <a:r>
               <a:rPr lang="ru-RU" dirty="0"/>
-              <a:t>Реализовать разделение ролей пользователей</a:t>
-            </a:r>
+              <a:t>Реализовать разделение ролей </a:t>
+            </a:r>
+            <a:r>
+              <a:rPr lang="ru-RU" dirty="0" smtClean="0"/>
+              <a:t>пользователей</a:t>
+            </a:r>
+          </a:p>
+          <a:p>
+            <a:pPr marL="0" indent="0">
+              <a:buNone/>
+            </a:pPr>
+            <a:endParaRPr lang="ru-RU" dirty="0"/>
           </a:p>
           <a:p>
             <a:pPr marL="0" indent="0">
@@ -3961,6 +4125,126 @@
           </a:p>
         </p:txBody>
       </p:sp>
+      <p:pic>
+        <p:nvPicPr>
+          <p:cNvPr id="4" name="Рисунок 3"/>
+          <p:cNvPicPr>
+            <a:picLocks noChangeAspect="1"/>
+          </p:cNvPicPr>
+          <p:nvPr/>
+        </p:nvPicPr>
+        <p:blipFill>
+          <a:blip r:embed="rId2" cstate="print">
+            <a:extLst>
+              <a:ext uri="{28A0092B-C50C-407E-A947-70E740481C1C}">
+                <a14:useLocalDpi xmlns:a14="http://schemas.microsoft.com/office/drawing/2010/main" val="0"/>
+              </a:ext>
+            </a:extLst>
+          </a:blip>
+          <a:stretch>
+            <a:fillRect/>
+          </a:stretch>
+        </p:blipFill>
+        <p:spPr>
+          <a:xfrm>
+            <a:off x="1157531" y="1690688"/>
+            <a:ext cx="911469" cy="911469"/>
+          </a:xfrm>
+          <a:prstGeom prst="rect">
+            <a:avLst/>
+          </a:prstGeom>
+        </p:spPr>
+      </p:pic>
+      <p:pic>
+        <p:nvPicPr>
+          <p:cNvPr id="6" name="Рисунок 5"/>
+          <p:cNvPicPr>
+            <a:picLocks noChangeAspect="1"/>
+          </p:cNvPicPr>
+          <p:nvPr/>
+        </p:nvPicPr>
+        <p:blipFill>
+          <a:blip r:embed="rId3" cstate="print">
+            <a:extLst>
+              <a:ext uri="{28A0092B-C50C-407E-A947-70E740481C1C}">
+                <a14:useLocalDpi xmlns:a14="http://schemas.microsoft.com/office/drawing/2010/main" val="0"/>
+              </a:ext>
+            </a:extLst>
+          </a:blip>
+          <a:stretch>
+            <a:fillRect/>
+          </a:stretch>
+        </p:blipFill>
+        <p:spPr>
+          <a:xfrm>
+            <a:off x="1069607" y="2602157"/>
+            <a:ext cx="911469" cy="911469"/>
+          </a:xfrm>
+          <a:prstGeom prst="rect">
+            <a:avLst/>
+          </a:prstGeom>
+        </p:spPr>
+      </p:pic>
+      <p:pic>
+        <p:nvPicPr>
+          <p:cNvPr id="7" name="Рисунок 6"/>
+          <p:cNvPicPr>
+            <a:picLocks noChangeAspect="1"/>
+          </p:cNvPicPr>
+          <p:nvPr/>
+        </p:nvPicPr>
+        <p:blipFill>
+          <a:blip r:embed="rId4" cstate="print">
+            <a:extLst>
+              <a:ext uri="{28A0092B-C50C-407E-A947-70E740481C1C}">
+                <a14:useLocalDpi xmlns:a14="http://schemas.microsoft.com/office/drawing/2010/main" val="0"/>
+              </a:ext>
+            </a:extLst>
+          </a:blip>
+          <a:stretch>
+            <a:fillRect/>
+          </a:stretch>
+        </p:blipFill>
+        <p:spPr>
+          <a:xfrm>
+            <a:off x="1069607" y="3545559"/>
+            <a:ext cx="911469" cy="911469"/>
+          </a:xfrm>
+          <a:prstGeom prst="rect">
+            <a:avLst/>
+          </a:prstGeom>
+        </p:spPr>
+      </p:pic>
+      <p:pic>
+        <p:nvPicPr>
+          <p:cNvPr id="8" name="Рисунок 7"/>
+          <p:cNvPicPr>
+            <a:picLocks noChangeAspect="1"/>
+          </p:cNvPicPr>
+          <p:nvPr/>
+        </p:nvPicPr>
+        <p:blipFill>
+          <a:blip r:embed="rId5" cstate="print">
+            <a:extLst>
+              <a:ext uri="{28A0092B-C50C-407E-A947-70E740481C1C}">
+                <a14:useLocalDpi xmlns:a14="http://schemas.microsoft.com/office/drawing/2010/main" val="0"/>
+              </a:ext>
+            </a:extLst>
+          </a:blip>
+          <a:stretch>
+            <a:fillRect/>
+          </a:stretch>
+        </p:blipFill>
+        <p:spPr>
+          <a:xfrm>
+            <a:off x="1069607" y="4594639"/>
+            <a:ext cx="999393" cy="999393"/>
+          </a:xfrm>
+          <a:prstGeom prst="rect">
+            <a:avLst/>
+          </a:prstGeom>
+        </p:spPr>
+      </p:pic>
     </p:spTree>
     <p:extLst>
       <p:ext uri="{BB962C8B-B14F-4D97-AF65-F5344CB8AC3E}">
@@ -4015,7 +4299,9 @@
           <a:p>
             <a:pPr algn="ctr"/>
             <a:r>
-              <a:rPr lang="ru-RU" dirty="0"/>
+              <a:rPr lang="ru-RU" dirty="0">
+                <a:latin typeface="+mn-lt"/>
+              </a:rPr>
               <a:t>Средства разработки</a:t>
             </a:r>
           </a:p>
@@ -4194,7 +4480,7 @@
         </p:blipFill>
         <p:spPr>
           <a:xfrm>
-            <a:off x="4018949" y="3734015"/>
+            <a:off x="3482618" y="3734015"/>
             <a:ext cx="1483360" cy="1854200"/>
           </a:xfrm>
           <a:prstGeom prst="rect">
@@ -4224,7 +4510,7 @@
         </p:blipFill>
         <p:spPr>
           <a:xfrm>
-            <a:off x="6543173" y="3843770"/>
+            <a:off x="6182688" y="3843770"/>
             <a:ext cx="1445260" cy="1854200"/>
           </a:xfrm>
           <a:prstGeom prst="rect">
@@ -4277,6 +4563,7 @@
           <a:bodyPr/>
           <a:lstStyle/>
           <a:p>
+            <a:pPr algn="ctr"/>
             <a:r>
               <a:rPr lang="ru-RU" dirty="0"/>
               <a:t>Архитектура системы</a:t>
@@ -4284,25 +4571,35 @@
           </a:p>
         </p:txBody>
       </p:sp>
-      <p:sp>
-        <p:nvSpPr>
-          <p:cNvPr id="3" name="Объект 2"/>
-          <p:cNvSpPr>
-            <a:spLocks noGrp="1"/>
-          </p:cNvSpPr>
+      <p:pic>
+        <p:nvPicPr>
+          <p:cNvPr id="4" name="Объект 3"/>
+          <p:cNvPicPr>
+            <a:picLocks noGrp="1" noChangeAspect="1"/>
+          </p:cNvPicPr>
           <p:nvPr>
             <p:ph idx="1"/>
           </p:nvPr>
-        </p:nvSpPr>
-        <p:spPr/>
-        <p:txBody>
-          <a:bodyPr/>
-          <a:lstStyle/>
-          <a:p>
-            <a:endParaRPr lang="ru-RU" dirty="0"/>
-          </a:p>
-        </p:txBody>
-      </p:sp>
+        </p:nvPicPr>
+        <p:blipFill>
+          <a:blip r:embed="rId2">
+            <a:extLst>
+              <a:ext uri="{28A0092B-C50C-407E-A947-70E740481C1C}">
+                <a14:useLocalDpi xmlns:a14="http://schemas.microsoft.com/office/drawing/2010/main" val="0"/>
+              </a:ext>
+            </a:extLst>
+          </a:blip>
+          <a:stretch>
+            <a:fillRect/>
+          </a:stretch>
+        </p:blipFill>
+        <p:spPr>
+          <a:xfrm>
+            <a:off x="1213338" y="2443042"/>
+            <a:ext cx="2596662" cy="2596662"/>
+          </a:xfrm>
+        </p:spPr>
+      </p:pic>
       <p:sp>
         <p:nvSpPr>
           <p:cNvPr id="5" name="TextBox 4">
@@ -4404,7 +4701,12 @@
             <p:ph idx="1"/>
           </p:nvPr>
         </p:nvSpPr>
-        <p:spPr/>
+        <p:spPr>
+          <a:xfrm>
+            <a:off x="838200" y="1811215"/>
+            <a:ext cx="3698631" cy="3077308"/>
+          </a:xfrm>
+        </p:spPr>
         <p:txBody>
           <a:bodyPr/>
           <a:lstStyle/>
@@ -4412,10 +4714,41 @@
             <a:pPr marL="0" indent="0">
               <a:buNone/>
             </a:pPr>
-            <a:r>
-              <a:rPr lang="ru-RU" dirty="0"/>
-              <a:t>Упрощение составления расписания</a:t>
-            </a:r>
+            <a:endParaRPr lang="ru-RU" dirty="0" smtClean="0"/>
+          </a:p>
+          <a:p>
+            <a:pPr marL="0" indent="0">
+              <a:buNone/>
+            </a:pPr>
+            <a:endParaRPr lang="ru-RU" dirty="0"/>
+          </a:p>
+          <a:p>
+            <a:pPr marL="0" indent="0">
+              <a:buNone/>
+            </a:pPr>
+            <a:endParaRPr lang="ru-RU" dirty="0" smtClean="0"/>
+          </a:p>
+          <a:p>
+            <a:pPr marL="0" indent="0">
+              <a:buNone/>
+            </a:pPr>
+            <a:endParaRPr lang="ru-RU" dirty="0"/>
+          </a:p>
+          <a:p>
+            <a:pPr marL="0" indent="0">
+              <a:buNone/>
+            </a:pPr>
+            <a:endParaRPr lang="ru-RU" dirty="0" smtClean="0"/>
+          </a:p>
+          <a:p>
+            <a:pPr marL="0" indent="0">
+              <a:buNone/>
+            </a:pPr>
+            <a:r>
+              <a:rPr lang="ru-RU" dirty="0" smtClean="0"/>
+              <a:t>Оптимизация времени</a:t>
+            </a:r>
+            <a:endParaRPr lang="ru-RU" dirty="0"/>
           </a:p>
         </p:txBody>
       </p:sp>
@@ -4455,6 +4788,156 @@
               </a:rPr>
               <a:t>8/9</a:t>
             </a:r>
+          </a:p>
+        </p:txBody>
+      </p:sp>
+      <p:pic>
+        <p:nvPicPr>
+          <p:cNvPr id="4" name="Рисунок 3"/>
+          <p:cNvPicPr>
+            <a:picLocks noChangeAspect="1"/>
+          </p:cNvPicPr>
+          <p:nvPr/>
+        </p:nvPicPr>
+        <p:blipFill>
+          <a:blip r:embed="rId2" cstate="print">
+            <a:extLst>
+              <a:ext uri="{28A0092B-C50C-407E-A947-70E740481C1C}">
+                <a14:useLocalDpi xmlns:a14="http://schemas.microsoft.com/office/drawing/2010/main" val="0"/>
+              </a:ext>
+            </a:extLst>
+          </a:blip>
+          <a:stretch>
+            <a:fillRect/>
+          </a:stretch>
+        </p:blipFill>
+        <p:spPr>
+          <a:xfrm>
+            <a:off x="1644161" y="2170108"/>
+            <a:ext cx="2010848" cy="2010848"/>
+          </a:xfrm>
+          <a:prstGeom prst="rect">
+            <a:avLst/>
+          </a:prstGeom>
+        </p:spPr>
+      </p:pic>
+      <p:pic>
+        <p:nvPicPr>
+          <p:cNvPr id="6" name="Рисунок 5"/>
+          <p:cNvPicPr>
+            <a:picLocks noChangeAspect="1"/>
+          </p:cNvPicPr>
+          <p:nvPr/>
+        </p:nvPicPr>
+        <p:blipFill>
+          <a:blip r:embed="rId3" cstate="print">
+            <a:extLst>
+              <a:ext uri="{28A0092B-C50C-407E-A947-70E740481C1C}">
+                <a14:useLocalDpi xmlns:a14="http://schemas.microsoft.com/office/drawing/2010/main" val="0"/>
+              </a:ext>
+            </a:extLst>
+          </a:blip>
+          <a:stretch>
+            <a:fillRect/>
+          </a:stretch>
+        </p:blipFill>
+        <p:spPr>
+          <a:xfrm>
+            <a:off x="5161083" y="2168769"/>
+            <a:ext cx="2010848" cy="2010848"/>
+          </a:xfrm>
+          <a:prstGeom prst="rect">
+            <a:avLst/>
+          </a:prstGeom>
+        </p:spPr>
+      </p:pic>
+      <p:sp>
+        <p:nvSpPr>
+          <p:cNvPr id="7" name="TextBox 6"/>
+          <p:cNvSpPr txBox="1"/>
+          <p:nvPr/>
+        </p:nvSpPr>
+        <p:spPr>
+          <a:xfrm>
+            <a:off x="4979384" y="4365303"/>
+            <a:ext cx="2567354" cy="523220"/>
+          </a:xfrm>
+          <a:prstGeom prst="rect">
+            <a:avLst/>
+          </a:prstGeom>
+          <a:noFill/>
+        </p:spPr>
+        <p:txBody>
+          <a:bodyPr wrap="square" rtlCol="0">
+            <a:spAutoFit/>
+          </a:bodyPr>
+          <a:lstStyle/>
+          <a:p>
+            <a:r>
+              <a:rPr lang="ru-RU" sz="2800" dirty="0" smtClean="0"/>
+              <a:t>Расширяемость</a:t>
+            </a:r>
+            <a:endParaRPr lang="ru-RU" sz="2800" dirty="0"/>
+          </a:p>
+        </p:txBody>
+      </p:sp>
+      <p:pic>
+        <p:nvPicPr>
+          <p:cNvPr id="8" name="Рисунок 7"/>
+          <p:cNvPicPr>
+            <a:picLocks noChangeAspect="1"/>
+          </p:cNvPicPr>
+          <p:nvPr/>
+        </p:nvPicPr>
+        <p:blipFill>
+          <a:blip r:embed="rId4" cstate="print">
+            <a:extLst>
+              <a:ext uri="{28A0092B-C50C-407E-A947-70E740481C1C}">
+                <a14:useLocalDpi xmlns:a14="http://schemas.microsoft.com/office/drawing/2010/main" val="0"/>
+              </a:ext>
+            </a:extLst>
+          </a:blip>
+          <a:stretch>
+            <a:fillRect/>
+          </a:stretch>
+        </p:blipFill>
+        <p:spPr>
+          <a:xfrm>
+            <a:off x="8827477" y="2167645"/>
+            <a:ext cx="2013438" cy="2013438"/>
+          </a:xfrm>
+          <a:prstGeom prst="rect">
+            <a:avLst/>
+          </a:prstGeom>
+        </p:spPr>
+      </p:pic>
+      <p:sp>
+        <p:nvSpPr>
+          <p:cNvPr id="9" name="TextBox 8"/>
+          <p:cNvSpPr txBox="1"/>
+          <p:nvPr/>
+        </p:nvSpPr>
+        <p:spPr>
+          <a:xfrm>
+            <a:off x="8554839" y="4365303"/>
+            <a:ext cx="2558714" cy="523220"/>
+          </a:xfrm>
+          <a:prstGeom prst="rect">
+            <a:avLst/>
+          </a:prstGeom>
+          <a:noFill/>
+        </p:spPr>
+        <p:txBody>
+          <a:bodyPr wrap="none" rtlCol="0">
+            <a:spAutoFit/>
+          </a:bodyPr>
+          <a:lstStyle/>
+          <a:p>
+            <a:r>
+              <a:rPr lang="ru-RU" sz="2800" dirty="0" smtClean="0"/>
+              <a:t>Специализация</a:t>
+            </a:r>
+            <a:endParaRPr lang="ru-RU" sz="2800" dirty="0"/>
           </a:p>
         </p:txBody>
       </p:sp>
@@ -4503,6 +4986,7 @@
           <a:bodyPr/>
           <a:lstStyle/>
           <a:p>
+            <a:pPr algn="ctr"/>
             <a:r>
               <a:rPr lang="ru-RU" dirty="0"/>
               <a:t>Заключение</a:t>
@@ -4530,8 +5014,13 @@
             </a:pPr>
             <a:r>
               <a:rPr lang="ru-RU" dirty="0"/>
-              <a:t>Поставленная цель достигнута все компетенции закрыты</a:t>
-            </a:r>
+              <a:t>Поставленная цель достигнута все </a:t>
+            </a:r>
+            <a:r>
+              <a:rPr lang="ru-RU" dirty="0" smtClean="0"/>
+              <a:t>задачи выполнены</a:t>
+            </a:r>
+            <a:endParaRPr lang="ru-RU" dirty="0"/>
           </a:p>
         </p:txBody>
       </p:sp>
